--- a/Connected Vehicles.pptx
+++ b/Connected Vehicles.pptx
@@ -249,7 +249,7 @@
           <a:p>
             <a:fld id="{DC6FD307-99A3-48DA-A14C-5765423103A6}" type="datetimeFigureOut">
               <a:rPr lang="en-US" smtClean="0"/>
-              <a:t>6/23/2021</a:t>
+              <a:t>6/25/2021</a:t>
             </a:fld>
             <a:endParaRPr lang="en-US"/>
           </a:p>
@@ -419,7 +419,7 @@
           <a:p>
             <a:fld id="{DC6FD307-99A3-48DA-A14C-5765423103A6}" type="datetimeFigureOut">
               <a:rPr lang="en-US" smtClean="0"/>
-              <a:t>6/23/2021</a:t>
+              <a:t>6/25/2021</a:t>
             </a:fld>
             <a:endParaRPr lang="en-US"/>
           </a:p>
@@ -599,7 +599,7 @@
           <a:p>
             <a:fld id="{DC6FD307-99A3-48DA-A14C-5765423103A6}" type="datetimeFigureOut">
               <a:rPr lang="en-US" smtClean="0"/>
-              <a:t>6/23/2021</a:t>
+              <a:t>6/25/2021</a:t>
             </a:fld>
             <a:endParaRPr lang="en-US"/>
           </a:p>
@@ -769,7 +769,7 @@
           <a:p>
             <a:fld id="{DC6FD307-99A3-48DA-A14C-5765423103A6}" type="datetimeFigureOut">
               <a:rPr lang="en-US" smtClean="0"/>
-              <a:t>6/23/2021</a:t>
+              <a:t>6/25/2021</a:t>
             </a:fld>
             <a:endParaRPr lang="en-US"/>
           </a:p>
@@ -1015,7 +1015,7 @@
           <a:p>
             <a:fld id="{DC6FD307-99A3-48DA-A14C-5765423103A6}" type="datetimeFigureOut">
               <a:rPr lang="en-US" smtClean="0"/>
-              <a:t>6/23/2021</a:t>
+              <a:t>6/25/2021</a:t>
             </a:fld>
             <a:endParaRPr lang="en-US"/>
           </a:p>
@@ -1247,7 +1247,7 @@
           <a:p>
             <a:fld id="{DC6FD307-99A3-48DA-A14C-5765423103A6}" type="datetimeFigureOut">
               <a:rPr lang="en-US" smtClean="0"/>
-              <a:t>6/23/2021</a:t>
+              <a:t>6/25/2021</a:t>
             </a:fld>
             <a:endParaRPr lang="en-US"/>
           </a:p>
@@ -1614,7 +1614,7 @@
           <a:p>
             <a:fld id="{DC6FD307-99A3-48DA-A14C-5765423103A6}" type="datetimeFigureOut">
               <a:rPr lang="en-US" smtClean="0"/>
-              <a:t>6/23/2021</a:t>
+              <a:t>6/25/2021</a:t>
             </a:fld>
             <a:endParaRPr lang="en-US"/>
           </a:p>
@@ -1732,7 +1732,7 @@
           <a:p>
             <a:fld id="{DC6FD307-99A3-48DA-A14C-5765423103A6}" type="datetimeFigureOut">
               <a:rPr lang="en-US" smtClean="0"/>
-              <a:t>6/23/2021</a:t>
+              <a:t>6/25/2021</a:t>
             </a:fld>
             <a:endParaRPr lang="en-US"/>
           </a:p>
@@ -1827,7 +1827,7 @@
           <a:p>
             <a:fld id="{DC6FD307-99A3-48DA-A14C-5765423103A6}" type="datetimeFigureOut">
               <a:rPr lang="en-US" smtClean="0"/>
-              <a:t>6/23/2021</a:t>
+              <a:t>6/25/2021</a:t>
             </a:fld>
             <a:endParaRPr lang="en-US"/>
           </a:p>
@@ -2104,7 +2104,7 @@
           <a:p>
             <a:fld id="{DC6FD307-99A3-48DA-A14C-5765423103A6}" type="datetimeFigureOut">
               <a:rPr lang="en-US" smtClean="0"/>
-              <a:t>6/23/2021</a:t>
+              <a:t>6/25/2021</a:t>
             </a:fld>
             <a:endParaRPr lang="en-US"/>
           </a:p>
@@ -2357,7 +2357,7 @@
           <a:p>
             <a:fld id="{DC6FD307-99A3-48DA-A14C-5765423103A6}" type="datetimeFigureOut">
               <a:rPr lang="en-US" smtClean="0"/>
-              <a:t>6/23/2021</a:t>
+              <a:t>6/25/2021</a:t>
             </a:fld>
             <a:endParaRPr lang="en-US"/>
           </a:p>
@@ -2570,7 +2570,7 @@
           <a:p>
             <a:fld id="{DC6FD307-99A3-48DA-A14C-5765423103A6}" type="datetimeFigureOut">
               <a:rPr lang="en-US" smtClean="0"/>
-              <a:t>6/23/2021</a:t>
+              <a:t>6/25/2021</a:t>
             </a:fld>
             <a:endParaRPr lang="en-US"/>
           </a:p>
@@ -3012,22 +3012,108 @@
         </p:nvSpPr>
         <p:spPr>
           <a:xfrm>
-            <a:off x="1524000" y="4146984"/>
-            <a:ext cx="9144000" cy="1655762"/>
-          </a:xfrm>
-        </p:spPr>
-        <p:txBody>
-          <a:bodyPr/>
+            <a:off x="1524000" y="3676073"/>
+            <a:ext cx="9144000" cy="2126673"/>
+          </a:xfrm>
+        </p:spPr>
+        <p:txBody>
+          <a:bodyPr>
+            <a:normAutofit/>
+          </a:bodyPr>
           <a:lstStyle/>
           <a:p>
             <a:r>
               <a:rPr lang="en-US" dirty="0" smtClean="0"/>
-              <a:t>CSE616: Neural Network Project</a:t>
+              <a:t>Mohamed Saied</a:t>
+            </a:r>
+          </a:p>
+          <a:p>
+            <a:r>
+              <a:rPr lang="en-US" dirty="0" smtClean="0"/>
+              <a:t>Under Supervision of </a:t>
+            </a:r>
+          </a:p>
+          <a:p>
+            <a:r>
+              <a:rPr lang="en-US" dirty="0" smtClean="0"/>
+              <a:t>Prof. </a:t>
+            </a:r>
+            <a:r>
+              <a:rPr lang="en-US" dirty="0" err="1" smtClean="0"/>
+              <a:t>Dr</a:t>
+            </a:r>
+            <a:r>
+              <a:rPr lang="en-US" dirty="0" smtClean="0"/>
+              <a:t> </a:t>
+            </a:r>
+            <a:r>
+              <a:rPr lang="en-US" dirty="0" err="1" smtClean="0"/>
+              <a:t>Hoda</a:t>
+            </a:r>
+            <a:r>
+              <a:rPr lang="en-US" dirty="0" smtClean="0"/>
+              <a:t> </a:t>
+            </a:r>
+            <a:r>
+              <a:rPr lang="en-US" dirty="0" err="1" smtClean="0"/>
+              <a:t>Korashy</a:t>
+            </a:r>
+            <a:endParaRPr lang="en-US" dirty="0" smtClean="0"/>
+          </a:p>
+          <a:p>
+            <a:r>
+              <a:rPr lang="en-US" dirty="0" err="1" smtClean="0"/>
+              <a:t>Dr</a:t>
+            </a:r>
+            <a:r>
+              <a:rPr lang="en-US" dirty="0" smtClean="0"/>
+              <a:t> Khaled Youssef</a:t>
             </a:r>
             <a:endParaRPr lang="en-US" dirty="0"/>
           </a:p>
         </p:txBody>
       </p:sp>
+      <p:pic>
+        <p:nvPicPr>
+          <p:cNvPr id="4" name="Picture 2" descr="ASU | Home"/>
+          <p:cNvPicPr>
+            <a:picLocks noChangeAspect="1" noChangeArrowheads="1"/>
+          </p:cNvPicPr>
+          <p:nvPr/>
+        </p:nvPicPr>
+        <p:blipFill>
+          <a:blip r:embed="rId2">
+            <a:extLst>
+              <a:ext uri="{28A0092B-C50C-407E-A947-70E740481C1C}">
+                <a14:useLocalDpi xmlns:a14="http://schemas.microsoft.com/office/drawing/2010/main" val="0"/>
+              </a:ext>
+            </a:extLst>
+          </a:blip>
+          <a:srcRect/>
+          <a:stretch>
+            <a:fillRect/>
+          </a:stretch>
+        </p:blipFill>
+        <p:spPr bwMode="auto">
+          <a:xfrm>
+            <a:off x="11083635" y="113794"/>
+            <a:ext cx="989157" cy="989157"/>
+          </a:xfrm>
+          <a:prstGeom prst="rect">
+            <a:avLst/>
+          </a:prstGeom>
+          <a:noFill/>
+          <a:extLst>
+            <a:ext uri="{909E8E84-426E-40DD-AFC4-6F175D3DCCD1}">
+              <a14:hiddenFill xmlns:a14="http://schemas.microsoft.com/office/drawing/2010/main">
+                <a:solidFill>
+                  <a:srgbClr val="FFFFFF"/>
+                </a:solidFill>
+              </a14:hiddenFill>
+            </a:ext>
+          </a:extLst>
+        </p:spPr>
+      </p:pic>
     </p:spTree>
     <p:extLst>
       <p:ext uri="{BB962C8B-B14F-4D97-AF65-F5344CB8AC3E}">
@@ -3231,6 +3317,47 @@
           </a:p>
         </p:txBody>
       </p:sp>
+      <p:pic>
+        <p:nvPicPr>
+          <p:cNvPr id="6" name="Picture 2" descr="ASU | Home"/>
+          <p:cNvPicPr>
+            <a:picLocks noChangeAspect="1" noChangeArrowheads="1"/>
+          </p:cNvPicPr>
+          <p:nvPr/>
+        </p:nvPicPr>
+        <p:blipFill>
+          <a:blip r:embed="rId3">
+            <a:extLst>
+              <a:ext uri="{28A0092B-C50C-407E-A947-70E740481C1C}">
+                <a14:useLocalDpi xmlns:a14="http://schemas.microsoft.com/office/drawing/2010/main" val="0"/>
+              </a:ext>
+            </a:extLst>
+          </a:blip>
+          <a:srcRect/>
+          <a:stretch>
+            <a:fillRect/>
+          </a:stretch>
+        </p:blipFill>
+        <p:spPr bwMode="auto">
+          <a:xfrm>
+            <a:off x="11083635" y="113794"/>
+            <a:ext cx="989157" cy="989157"/>
+          </a:xfrm>
+          <a:prstGeom prst="rect">
+            <a:avLst/>
+          </a:prstGeom>
+          <a:noFill/>
+          <a:extLst>
+            <a:ext uri="{909E8E84-426E-40DD-AFC4-6F175D3DCCD1}">
+              <a14:hiddenFill xmlns:a14="http://schemas.microsoft.com/office/drawing/2010/main">
+                <a:solidFill>
+                  <a:srgbClr val="FFFFFF"/>
+                </a:solidFill>
+              </a14:hiddenFill>
+            </a:ext>
+          </a:extLst>
+        </p:spPr>
+      </p:pic>
     </p:spTree>
     <p:extLst>
       <p:ext uri="{BB962C8B-B14F-4D97-AF65-F5344CB8AC3E}">
@@ -3311,11 +3438,7 @@
           <a:p>
             <a:r>
               <a:rPr lang="en-US" dirty="0" smtClean="0"/>
-              <a:t>In this project we demonstrate 6 types of </a:t>
-            </a:r>
-            <a:r>
-              <a:rPr lang="en-US" dirty="0" smtClean="0"/>
-              <a:t>attack using </a:t>
+              <a:t>In this project we demonstrate 6 types of attack using </a:t>
             </a:r>
             <a:r>
               <a:rPr lang="en-US" dirty="0" err="1" smtClean="0"/>
@@ -3392,6 +3515,47 @@
           <a:prstGeom prst="rect">
             <a:avLst/>
           </a:prstGeom>
+        </p:spPr>
+      </p:pic>
+      <p:pic>
+        <p:nvPicPr>
+          <p:cNvPr id="6" name="Picture 2" descr="ASU | Home"/>
+          <p:cNvPicPr>
+            <a:picLocks noChangeAspect="1" noChangeArrowheads="1"/>
+          </p:cNvPicPr>
+          <p:nvPr/>
+        </p:nvPicPr>
+        <p:blipFill>
+          <a:blip r:embed="rId4">
+            <a:extLst>
+              <a:ext uri="{28A0092B-C50C-407E-A947-70E740481C1C}">
+                <a14:useLocalDpi xmlns:a14="http://schemas.microsoft.com/office/drawing/2010/main" val="0"/>
+              </a:ext>
+            </a:extLst>
+          </a:blip>
+          <a:srcRect/>
+          <a:stretch>
+            <a:fillRect/>
+          </a:stretch>
+        </p:blipFill>
+        <p:spPr bwMode="auto">
+          <a:xfrm>
+            <a:off x="11083635" y="113794"/>
+            <a:ext cx="989157" cy="989157"/>
+          </a:xfrm>
+          <a:prstGeom prst="rect">
+            <a:avLst/>
+          </a:prstGeom>
+          <a:noFill/>
+          <a:extLst>
+            <a:ext uri="{909E8E84-426E-40DD-AFC4-6F175D3DCCD1}">
+              <a14:hiddenFill xmlns:a14="http://schemas.microsoft.com/office/drawing/2010/main">
+                <a:solidFill>
+                  <a:srgbClr val="FFFFFF"/>
+                </a:solidFill>
+              </a14:hiddenFill>
+            </a:ext>
+          </a:extLst>
         </p:spPr>
       </p:pic>
     </p:spTree>
@@ -3469,13 +3633,8 @@
           <a:p>
             <a:r>
               <a:rPr lang="en-US" dirty="0" smtClean="0"/>
-              <a:t>Multi-Layer Perceptron is </a:t>
-            </a:r>
-            <a:r>
-              <a:rPr lang="en-US" dirty="0" smtClean="0"/>
-              <a:t>used with 4 inputs and 6 outputs</a:t>
-            </a:r>
-            <a:endParaRPr lang="en-US" dirty="0" smtClean="0"/>
+              <a:t>Multi-Layer Perceptron is used with 4 inputs and 6 outputs</a:t>
+            </a:r>
           </a:p>
           <a:p>
             <a:endParaRPr lang="en-US" dirty="0"/>
@@ -3540,6 +3699,47 @@
           <a:xfrm>
             <a:off x="6591400" y="3602182"/>
             <a:ext cx="3211845" cy="921760"/>
+          </a:xfrm>
+          <a:prstGeom prst="rect">
+            <a:avLst/>
+          </a:prstGeom>
+          <a:noFill/>
+          <a:extLst>
+            <a:ext uri="{909E8E84-426E-40DD-AFC4-6F175D3DCCD1}">
+              <a14:hiddenFill xmlns:a14="http://schemas.microsoft.com/office/drawing/2010/main">
+                <a:solidFill>
+                  <a:srgbClr val="FFFFFF"/>
+                </a:solidFill>
+              </a14:hiddenFill>
+            </a:ext>
+          </a:extLst>
+        </p:spPr>
+      </p:pic>
+      <p:pic>
+        <p:nvPicPr>
+          <p:cNvPr id="6" name="Picture 2" descr="ASU | Home"/>
+          <p:cNvPicPr>
+            <a:picLocks noChangeAspect="1" noChangeArrowheads="1"/>
+          </p:cNvPicPr>
+          <p:nvPr/>
+        </p:nvPicPr>
+        <p:blipFill>
+          <a:blip r:embed="rId3">
+            <a:extLst>
+              <a:ext uri="{28A0092B-C50C-407E-A947-70E740481C1C}">
+                <a14:useLocalDpi xmlns:a14="http://schemas.microsoft.com/office/drawing/2010/main" val="0"/>
+              </a:ext>
+            </a:extLst>
+          </a:blip>
+          <a:srcRect/>
+          <a:stretch>
+            <a:fillRect/>
+          </a:stretch>
+        </p:blipFill>
+        <p:spPr bwMode="auto">
+          <a:xfrm>
+            <a:off x="11083635" y="113794"/>
+            <a:ext cx="989157" cy="989157"/>
           </a:xfrm>
           <a:prstGeom prst="rect">
             <a:avLst/>
@@ -3967,6 +4167,47 @@
           </a:p>
         </p:txBody>
       </p:sp>
+      <p:pic>
+        <p:nvPicPr>
+          <p:cNvPr id="13" name="Picture 2" descr="ASU | Home"/>
+          <p:cNvPicPr>
+            <a:picLocks noChangeAspect="1" noChangeArrowheads="1"/>
+          </p:cNvPicPr>
+          <p:nvPr/>
+        </p:nvPicPr>
+        <p:blipFill>
+          <a:blip r:embed="rId2">
+            <a:extLst>
+              <a:ext uri="{28A0092B-C50C-407E-A947-70E740481C1C}">
+                <a14:useLocalDpi xmlns:a14="http://schemas.microsoft.com/office/drawing/2010/main" val="0"/>
+              </a:ext>
+            </a:extLst>
+          </a:blip>
+          <a:srcRect/>
+          <a:stretch>
+            <a:fillRect/>
+          </a:stretch>
+        </p:blipFill>
+        <p:spPr bwMode="auto">
+          <a:xfrm>
+            <a:off x="11083635" y="113794"/>
+            <a:ext cx="989157" cy="989157"/>
+          </a:xfrm>
+          <a:prstGeom prst="rect">
+            <a:avLst/>
+          </a:prstGeom>
+          <a:noFill/>
+          <a:extLst>
+            <a:ext uri="{909E8E84-426E-40DD-AFC4-6F175D3DCCD1}">
+              <a14:hiddenFill xmlns:a14="http://schemas.microsoft.com/office/drawing/2010/main">
+                <a:solidFill>
+                  <a:srgbClr val="FFFFFF"/>
+                </a:solidFill>
+              </a14:hiddenFill>
+            </a:ext>
+          </a:extLst>
+        </p:spPr>
+      </p:pic>
     </p:spTree>
     <p:extLst>
       <p:ext uri="{BB962C8B-B14F-4D97-AF65-F5344CB8AC3E}">
@@ -4088,6 +4329,47 @@
           <a:ln>
             <a:noFill/>
           </a:ln>
+        </p:spPr>
+      </p:pic>
+      <p:pic>
+        <p:nvPicPr>
+          <p:cNvPr id="5" name="Picture 2" descr="ASU | Home"/>
+          <p:cNvPicPr>
+            <a:picLocks noChangeAspect="1" noChangeArrowheads="1"/>
+          </p:cNvPicPr>
+          <p:nvPr/>
+        </p:nvPicPr>
+        <p:blipFill>
+          <a:blip r:embed="rId3">
+            <a:extLst>
+              <a:ext uri="{28A0092B-C50C-407E-A947-70E740481C1C}">
+                <a14:useLocalDpi xmlns:a14="http://schemas.microsoft.com/office/drawing/2010/main" val="0"/>
+              </a:ext>
+            </a:extLst>
+          </a:blip>
+          <a:srcRect/>
+          <a:stretch>
+            <a:fillRect/>
+          </a:stretch>
+        </p:blipFill>
+        <p:spPr bwMode="auto">
+          <a:xfrm>
+            <a:off x="11083635" y="113794"/>
+            <a:ext cx="989157" cy="989157"/>
+          </a:xfrm>
+          <a:prstGeom prst="rect">
+            <a:avLst/>
+          </a:prstGeom>
+          <a:noFill/>
+          <a:extLst>
+            <a:ext uri="{909E8E84-426E-40DD-AFC4-6F175D3DCCD1}">
+              <a14:hiddenFill xmlns:a14="http://schemas.microsoft.com/office/drawing/2010/main">
+                <a:solidFill>
+                  <a:srgbClr val="FFFFFF"/>
+                </a:solidFill>
+              </a14:hiddenFill>
+            </a:ext>
+          </a:extLst>
         </p:spPr>
       </p:pic>
     </p:spTree>
@@ -4237,6 +4519,47 @@
           <a:ln>
             <a:noFill/>
           </a:ln>
+        </p:spPr>
+      </p:pic>
+      <p:pic>
+        <p:nvPicPr>
+          <p:cNvPr id="5" name="Picture 2" descr="ASU | Home"/>
+          <p:cNvPicPr>
+            <a:picLocks noChangeAspect="1" noChangeArrowheads="1"/>
+          </p:cNvPicPr>
+          <p:nvPr/>
+        </p:nvPicPr>
+        <p:blipFill>
+          <a:blip r:embed="rId3">
+            <a:extLst>
+              <a:ext uri="{28A0092B-C50C-407E-A947-70E740481C1C}">
+                <a14:useLocalDpi xmlns:a14="http://schemas.microsoft.com/office/drawing/2010/main" val="0"/>
+              </a:ext>
+            </a:extLst>
+          </a:blip>
+          <a:srcRect/>
+          <a:stretch>
+            <a:fillRect/>
+          </a:stretch>
+        </p:blipFill>
+        <p:spPr bwMode="auto">
+          <a:xfrm>
+            <a:off x="11083635" y="113794"/>
+            <a:ext cx="989157" cy="989157"/>
+          </a:xfrm>
+          <a:prstGeom prst="rect">
+            <a:avLst/>
+          </a:prstGeom>
+          <a:noFill/>
+          <a:extLst>
+            <a:ext uri="{909E8E84-426E-40DD-AFC4-6F175D3DCCD1}">
+              <a14:hiddenFill xmlns:a14="http://schemas.microsoft.com/office/drawing/2010/main">
+                <a:solidFill>
+                  <a:srgbClr val="FFFFFF"/>
+                </a:solidFill>
+              </a14:hiddenFill>
+            </a:ext>
+          </a:extLst>
         </p:spPr>
       </p:pic>
     </p:spTree>

--- a/Connected Vehicles.pptx
+++ b/Connected Vehicles.pptx
@@ -8,10 +8,17 @@
     <p:sldId id="256" r:id="rId2"/>
     <p:sldId id="259" r:id="rId3"/>
     <p:sldId id="260" r:id="rId4"/>
-    <p:sldId id="261" r:id="rId5"/>
-    <p:sldId id="257" r:id="rId6"/>
-    <p:sldId id="258" r:id="rId7"/>
-    <p:sldId id="262" r:id="rId8"/>
+    <p:sldId id="265" r:id="rId5"/>
+    <p:sldId id="266" r:id="rId6"/>
+    <p:sldId id="267" r:id="rId7"/>
+    <p:sldId id="268" r:id="rId8"/>
+    <p:sldId id="263" r:id="rId9"/>
+    <p:sldId id="264" r:id="rId10"/>
+    <p:sldId id="261" r:id="rId11"/>
+    <p:sldId id="257" r:id="rId12"/>
+    <p:sldId id="258" r:id="rId13"/>
+    <p:sldId id="262" r:id="rId14"/>
+    <p:sldId id="269" r:id="rId15"/>
   </p:sldIdLst>
   <p:sldSz cx="12192000" cy="6858000"/>
   <p:notesSz cx="6858000" cy="9144000"/>
@@ -249,7 +256,7 @@
           <a:p>
             <a:fld id="{DC6FD307-99A3-48DA-A14C-5765423103A6}" type="datetimeFigureOut">
               <a:rPr lang="en-US" smtClean="0"/>
-              <a:t>6/25/2021</a:t>
+              <a:t>7/8/2021</a:t>
             </a:fld>
             <a:endParaRPr lang="en-US"/>
           </a:p>
@@ -419,7 +426,7 @@
           <a:p>
             <a:fld id="{DC6FD307-99A3-48DA-A14C-5765423103A6}" type="datetimeFigureOut">
               <a:rPr lang="en-US" smtClean="0"/>
-              <a:t>6/25/2021</a:t>
+              <a:t>7/8/2021</a:t>
             </a:fld>
             <a:endParaRPr lang="en-US"/>
           </a:p>
@@ -599,7 +606,7 @@
           <a:p>
             <a:fld id="{DC6FD307-99A3-48DA-A14C-5765423103A6}" type="datetimeFigureOut">
               <a:rPr lang="en-US" smtClean="0"/>
-              <a:t>6/25/2021</a:t>
+              <a:t>7/8/2021</a:t>
             </a:fld>
             <a:endParaRPr lang="en-US"/>
           </a:p>
@@ -769,7 +776,7 @@
           <a:p>
             <a:fld id="{DC6FD307-99A3-48DA-A14C-5765423103A6}" type="datetimeFigureOut">
               <a:rPr lang="en-US" smtClean="0"/>
-              <a:t>6/25/2021</a:t>
+              <a:t>7/8/2021</a:t>
             </a:fld>
             <a:endParaRPr lang="en-US"/>
           </a:p>
@@ -1015,7 +1022,7 @@
           <a:p>
             <a:fld id="{DC6FD307-99A3-48DA-A14C-5765423103A6}" type="datetimeFigureOut">
               <a:rPr lang="en-US" smtClean="0"/>
-              <a:t>6/25/2021</a:t>
+              <a:t>7/8/2021</a:t>
             </a:fld>
             <a:endParaRPr lang="en-US"/>
           </a:p>
@@ -1247,7 +1254,7 @@
           <a:p>
             <a:fld id="{DC6FD307-99A3-48DA-A14C-5765423103A6}" type="datetimeFigureOut">
               <a:rPr lang="en-US" smtClean="0"/>
-              <a:t>6/25/2021</a:t>
+              <a:t>7/8/2021</a:t>
             </a:fld>
             <a:endParaRPr lang="en-US"/>
           </a:p>
@@ -1614,7 +1621,7 @@
           <a:p>
             <a:fld id="{DC6FD307-99A3-48DA-A14C-5765423103A6}" type="datetimeFigureOut">
               <a:rPr lang="en-US" smtClean="0"/>
-              <a:t>6/25/2021</a:t>
+              <a:t>7/8/2021</a:t>
             </a:fld>
             <a:endParaRPr lang="en-US"/>
           </a:p>
@@ -1732,7 +1739,7 @@
           <a:p>
             <a:fld id="{DC6FD307-99A3-48DA-A14C-5765423103A6}" type="datetimeFigureOut">
               <a:rPr lang="en-US" smtClean="0"/>
-              <a:t>6/25/2021</a:t>
+              <a:t>7/8/2021</a:t>
             </a:fld>
             <a:endParaRPr lang="en-US"/>
           </a:p>
@@ -1827,7 +1834,7 @@
           <a:p>
             <a:fld id="{DC6FD307-99A3-48DA-A14C-5765423103A6}" type="datetimeFigureOut">
               <a:rPr lang="en-US" smtClean="0"/>
-              <a:t>6/25/2021</a:t>
+              <a:t>7/8/2021</a:t>
             </a:fld>
             <a:endParaRPr lang="en-US"/>
           </a:p>
@@ -2104,7 +2111,7 @@
           <a:p>
             <a:fld id="{DC6FD307-99A3-48DA-A14C-5765423103A6}" type="datetimeFigureOut">
               <a:rPr lang="en-US" smtClean="0"/>
-              <a:t>6/25/2021</a:t>
+              <a:t>7/8/2021</a:t>
             </a:fld>
             <a:endParaRPr lang="en-US"/>
           </a:p>
@@ -2357,7 +2364,7 @@
           <a:p>
             <a:fld id="{DC6FD307-99A3-48DA-A14C-5765423103A6}" type="datetimeFigureOut">
               <a:rPr lang="en-US" smtClean="0"/>
-              <a:t>6/25/2021</a:t>
+              <a:t>7/8/2021</a:t>
             </a:fld>
             <a:endParaRPr lang="en-US"/>
           </a:p>
@@ -2570,7 +2577,7 @@
           <a:p>
             <a:fld id="{DC6FD307-99A3-48DA-A14C-5765423103A6}" type="datetimeFigureOut">
               <a:rPr lang="en-US" smtClean="0"/>
-              <a:t>6/25/2021</a:t>
+              <a:t>7/8/2021</a:t>
             </a:fld>
             <a:endParaRPr lang="en-US"/>
           </a:p>
@@ -2994,7 +3001,15 @@
           <a:p>
             <a:r>
               <a:rPr lang="en-US" dirty="0" smtClean="0"/>
-              <a:t>Design and Implementation of AI Security Scheme for Connected Vehicles</a:t>
+              <a:t>Design and Implementation of AI Security Scheme for </a:t>
+            </a:r>
+            <a:r>
+              <a:rPr lang="en-US" dirty="0" smtClean="0"/>
+              <a:t>Next Generation Autonomous </a:t>
+            </a:r>
+            <a:r>
+              <a:rPr lang="en-US" dirty="0" smtClean="0"/>
+              <a:t>Vehicles</a:t>
             </a:r>
             <a:endParaRPr lang="en-US" dirty="0"/>
           </a:p>
@@ -3118,6 +3133,1109 @@
     <p:extLst>
       <p:ext uri="{BB962C8B-B14F-4D97-AF65-F5344CB8AC3E}">
         <p14:creationId xmlns:p14="http://schemas.microsoft.com/office/powerpoint/2010/main" val="3184716704"/>
+      </p:ext>
+    </p:extLst>
+  </p:cSld>
+  <p:clrMapOvr>
+    <a:masterClrMapping/>
+  </p:clrMapOvr>
+</p:sld>
+</file>
+
+<file path=ppt/slides/slide10.xml><?xml version="1.0" encoding="utf-8"?>
+<p:sld xmlns:a="http://schemas.openxmlformats.org/drawingml/2006/main" xmlns:r="http://schemas.openxmlformats.org/officeDocument/2006/relationships" xmlns:p="http://schemas.openxmlformats.org/presentationml/2006/main">
+  <p:cSld>
+    <p:spTree>
+      <p:nvGrpSpPr>
+        <p:cNvPr id="1" name=""/>
+        <p:cNvGrpSpPr/>
+        <p:nvPr/>
+      </p:nvGrpSpPr>
+      <p:grpSpPr>
+        <a:xfrm>
+          <a:off x="0" y="0"/>
+          <a:ext cx="0" cy="0"/>
+          <a:chOff x="0" y="0"/>
+          <a:chExt cx="0" cy="0"/>
+        </a:xfrm>
+      </p:grpSpPr>
+      <p:sp>
+        <p:nvSpPr>
+          <p:cNvPr id="2" name="Title 1"/>
+          <p:cNvSpPr>
+            <a:spLocks noGrp="1"/>
+          </p:cNvSpPr>
+          <p:nvPr>
+            <p:ph type="title"/>
+          </p:nvPr>
+        </p:nvSpPr>
+        <p:spPr/>
+        <p:txBody>
+          <a:bodyPr/>
+          <a:lstStyle/>
+          <a:p>
+            <a:r>
+              <a:rPr lang="en-US" dirty="0" smtClean="0"/>
+              <a:t>Proposed Algorithm</a:t>
+            </a:r>
+            <a:endParaRPr lang="en-US" dirty="0"/>
+          </a:p>
+        </p:txBody>
+      </p:sp>
+      <p:sp>
+        <p:nvSpPr>
+          <p:cNvPr id="3" name="Content Placeholder 2"/>
+          <p:cNvSpPr>
+            <a:spLocks noGrp="1"/>
+          </p:cNvSpPr>
+          <p:nvPr>
+            <p:ph idx="1"/>
+          </p:nvPr>
+        </p:nvSpPr>
+        <p:spPr>
+          <a:xfrm>
+            <a:off x="958272" y="1696316"/>
+            <a:ext cx="10515600" cy="4351338"/>
+          </a:xfrm>
+        </p:spPr>
+        <p:txBody>
+          <a:bodyPr/>
+          <a:lstStyle/>
+          <a:p>
+            <a:r>
+              <a:rPr lang="en-US" dirty="0" smtClean="0"/>
+              <a:t>Multi-Layer Perceptron is used with 4 inputs and 6 outputs</a:t>
+            </a:r>
+          </a:p>
+          <a:p>
+            <a:endParaRPr lang="en-US" dirty="0"/>
+          </a:p>
+          <a:p>
+            <a:r>
+              <a:rPr lang="en-US" dirty="0" smtClean="0"/>
+              <a:t>Three Layers: input layer and One Hidden Layer with </a:t>
+            </a:r>
+            <a:r>
+              <a:rPr lang="en-US" dirty="0" err="1" smtClean="0"/>
+              <a:t>relu</a:t>
+            </a:r>
+            <a:r>
+              <a:rPr lang="en-US" dirty="0" smtClean="0"/>
+              <a:t> activation</a:t>
+            </a:r>
+          </a:p>
+          <a:p>
+            <a:r>
+              <a:rPr lang="en-US" dirty="0" smtClean="0"/>
+              <a:t>And one output layer</a:t>
+            </a:r>
+          </a:p>
+          <a:p>
+            <a:r>
+              <a:rPr lang="en-US" dirty="0" smtClean="0"/>
+              <a:t>Objective function is cross entropy</a:t>
+            </a:r>
+          </a:p>
+          <a:p>
+            <a:r>
+              <a:rPr lang="en-US" dirty="0" smtClean="0"/>
+              <a:t>Cross validation 80% training 20% testing</a:t>
+            </a:r>
+            <a:endParaRPr lang="en-US" dirty="0"/>
+          </a:p>
+        </p:txBody>
+      </p:sp>
+      <p:pic>
+        <p:nvPicPr>
+          <p:cNvPr id="5" name="Picture 2" descr="Grokking the Cross Entropy Loss. This post explains the intuitive… | by  Paolo Perrotta | Level Up Coding"/>
+          <p:cNvPicPr>
+            <a:picLocks noChangeAspect="1" noChangeArrowheads="1"/>
+          </p:cNvPicPr>
+          <p:nvPr/>
+        </p:nvPicPr>
+        <p:blipFill>
+          <a:blip r:embed="rId2">
+            <a:extLst>
+              <a:ext uri="{28A0092B-C50C-407E-A947-70E740481C1C}">
+                <a14:useLocalDpi xmlns:a14="http://schemas.microsoft.com/office/drawing/2010/main" val="0"/>
+              </a:ext>
+            </a:extLst>
+          </a:blip>
+          <a:srcRect/>
+          <a:stretch>
+            <a:fillRect/>
+          </a:stretch>
+        </p:blipFill>
+        <p:spPr bwMode="auto">
+          <a:xfrm>
+            <a:off x="6591400" y="3602182"/>
+            <a:ext cx="3211845" cy="921760"/>
+          </a:xfrm>
+          <a:prstGeom prst="rect">
+            <a:avLst/>
+          </a:prstGeom>
+          <a:noFill/>
+          <a:extLst>
+            <a:ext uri="{909E8E84-426E-40DD-AFC4-6F175D3DCCD1}">
+              <a14:hiddenFill xmlns:a14="http://schemas.microsoft.com/office/drawing/2010/main">
+                <a:solidFill>
+                  <a:srgbClr val="FFFFFF"/>
+                </a:solidFill>
+              </a14:hiddenFill>
+            </a:ext>
+          </a:extLst>
+        </p:spPr>
+      </p:pic>
+      <p:pic>
+        <p:nvPicPr>
+          <p:cNvPr id="6" name="Picture 2" descr="ASU | Home"/>
+          <p:cNvPicPr>
+            <a:picLocks noChangeAspect="1" noChangeArrowheads="1"/>
+          </p:cNvPicPr>
+          <p:nvPr/>
+        </p:nvPicPr>
+        <p:blipFill>
+          <a:blip r:embed="rId3">
+            <a:extLst>
+              <a:ext uri="{28A0092B-C50C-407E-A947-70E740481C1C}">
+                <a14:useLocalDpi xmlns:a14="http://schemas.microsoft.com/office/drawing/2010/main" val="0"/>
+              </a:ext>
+            </a:extLst>
+          </a:blip>
+          <a:srcRect/>
+          <a:stretch>
+            <a:fillRect/>
+          </a:stretch>
+        </p:blipFill>
+        <p:spPr bwMode="auto">
+          <a:xfrm>
+            <a:off x="11083635" y="113794"/>
+            <a:ext cx="989157" cy="989157"/>
+          </a:xfrm>
+          <a:prstGeom prst="rect">
+            <a:avLst/>
+          </a:prstGeom>
+          <a:noFill/>
+          <a:extLst>
+            <a:ext uri="{909E8E84-426E-40DD-AFC4-6F175D3DCCD1}">
+              <a14:hiddenFill xmlns:a14="http://schemas.microsoft.com/office/drawing/2010/main">
+                <a:solidFill>
+                  <a:srgbClr val="FFFFFF"/>
+                </a:solidFill>
+              </a14:hiddenFill>
+            </a:ext>
+          </a:extLst>
+        </p:spPr>
+      </p:pic>
+    </p:spTree>
+    <p:extLst>
+      <p:ext uri="{BB962C8B-B14F-4D97-AF65-F5344CB8AC3E}">
+        <p14:creationId xmlns:p14="http://schemas.microsoft.com/office/powerpoint/2010/main" val="477389488"/>
+      </p:ext>
+    </p:extLst>
+  </p:cSld>
+  <p:clrMapOvr>
+    <a:masterClrMapping/>
+  </p:clrMapOvr>
+</p:sld>
+</file>
+
+<file path=ppt/slides/slide11.xml><?xml version="1.0" encoding="utf-8"?>
+<p:sld xmlns:a="http://schemas.openxmlformats.org/drawingml/2006/main" xmlns:r="http://schemas.openxmlformats.org/officeDocument/2006/relationships" xmlns:p="http://schemas.openxmlformats.org/presentationml/2006/main">
+  <p:cSld>
+    <p:spTree>
+      <p:nvGrpSpPr>
+        <p:cNvPr id="1" name=""/>
+        <p:cNvGrpSpPr/>
+        <p:nvPr/>
+      </p:nvGrpSpPr>
+      <p:grpSpPr>
+        <a:xfrm>
+          <a:off x="0" y="0"/>
+          <a:ext cx="0" cy="0"/>
+          <a:chOff x="0" y="0"/>
+          <a:chExt cx="0" cy="0"/>
+        </a:xfrm>
+      </p:grpSpPr>
+      <p:sp>
+        <p:nvSpPr>
+          <p:cNvPr id="2" name="Title 1"/>
+          <p:cNvSpPr>
+            <a:spLocks noGrp="1"/>
+          </p:cNvSpPr>
+          <p:nvPr>
+            <p:ph type="title"/>
+          </p:nvPr>
+        </p:nvSpPr>
+        <p:spPr/>
+        <p:txBody>
+          <a:bodyPr/>
+          <a:lstStyle/>
+          <a:p>
+            <a:r>
+              <a:rPr lang="en-US" dirty="0" smtClean="0"/>
+              <a:t>Block Diagram</a:t>
+            </a:r>
+            <a:endParaRPr lang="en-US" dirty="0"/>
+          </a:p>
+        </p:txBody>
+      </p:sp>
+      <p:sp>
+        <p:nvSpPr>
+          <p:cNvPr id="4" name="Rectangle 3"/>
+          <p:cNvSpPr/>
+          <p:nvPr/>
+        </p:nvSpPr>
+        <p:spPr>
+          <a:xfrm>
+            <a:off x="1060204" y="2636979"/>
+            <a:ext cx="1969323" cy="1543134"/>
+          </a:xfrm>
+          <a:prstGeom prst="rect">
+            <a:avLst/>
+          </a:prstGeom>
+        </p:spPr>
+        <p:style>
+          <a:lnRef idx="2">
+            <a:schemeClr val="accent1">
+              <a:shade val="50000"/>
+            </a:schemeClr>
+          </a:lnRef>
+          <a:fillRef idx="1">
+            <a:schemeClr val="accent1"/>
+          </a:fillRef>
+          <a:effectRef idx="0">
+            <a:schemeClr val="accent1"/>
+          </a:effectRef>
+          <a:fontRef idx="minor">
+            <a:schemeClr val="lt1"/>
+          </a:fontRef>
+        </p:style>
+        <p:txBody>
+          <a:bodyPr rtlCol="0" anchor="ctr"/>
+          <a:lstStyle/>
+          <a:p>
+            <a:pPr algn="ctr"/>
+            <a:r>
+              <a:rPr lang="en-US" dirty="0" smtClean="0"/>
+              <a:t>Normalization</a:t>
+            </a:r>
+            <a:endParaRPr lang="en-US" dirty="0"/>
+          </a:p>
+        </p:txBody>
+      </p:sp>
+      <p:sp>
+        <p:nvSpPr>
+          <p:cNvPr id="5" name="Content Placeholder 4"/>
+          <p:cNvSpPr>
+            <a:spLocks noGrp="1"/>
+          </p:cNvSpPr>
+          <p:nvPr>
+            <p:ph idx="1"/>
+          </p:nvPr>
+        </p:nvSpPr>
+        <p:spPr>
+          <a:xfrm>
+            <a:off x="3602183" y="2627086"/>
+            <a:ext cx="2087417" cy="1553027"/>
+          </a:xfrm>
+          <a:prstGeom prst="rect">
+            <a:avLst/>
+          </a:prstGeom>
+        </p:spPr>
+        <p:style>
+          <a:lnRef idx="2">
+            <a:schemeClr val="accent1">
+              <a:shade val="50000"/>
+            </a:schemeClr>
+          </a:lnRef>
+          <a:fillRef idx="1">
+            <a:schemeClr val="accent1"/>
+          </a:fillRef>
+          <a:effectRef idx="0">
+            <a:schemeClr val="accent1"/>
+          </a:effectRef>
+          <a:fontRef idx="minor">
+            <a:schemeClr val="lt1"/>
+          </a:fontRef>
+        </p:style>
+        <p:txBody>
+          <a:bodyPr rtlCol="0" anchor="ctr"/>
+          <a:lstStyle/>
+          <a:p>
+            <a:pPr marL="0" indent="0" algn="ctr">
+              <a:buNone/>
+            </a:pPr>
+            <a:r>
+              <a:rPr lang="en-US" dirty="0" smtClean="0"/>
+              <a:t>Label </a:t>
+            </a:r>
+            <a:r>
+              <a:rPr lang="en-US" dirty="0" err="1" smtClean="0"/>
+              <a:t>Binarization</a:t>
+            </a:r>
+            <a:endParaRPr lang="en-US" dirty="0"/>
+          </a:p>
+        </p:txBody>
+      </p:sp>
+      <p:sp>
+        <p:nvSpPr>
+          <p:cNvPr id="6" name="Rectangle 5"/>
+          <p:cNvSpPr/>
+          <p:nvPr/>
+        </p:nvSpPr>
+        <p:spPr>
+          <a:xfrm>
+            <a:off x="6262257" y="2636979"/>
+            <a:ext cx="1783278" cy="1529938"/>
+          </a:xfrm>
+          <a:prstGeom prst="rect">
+            <a:avLst/>
+          </a:prstGeom>
+        </p:spPr>
+        <p:style>
+          <a:lnRef idx="2">
+            <a:schemeClr val="accent1">
+              <a:shade val="50000"/>
+            </a:schemeClr>
+          </a:lnRef>
+          <a:fillRef idx="1">
+            <a:schemeClr val="accent1"/>
+          </a:fillRef>
+          <a:effectRef idx="0">
+            <a:schemeClr val="accent1"/>
+          </a:effectRef>
+          <a:fontRef idx="minor">
+            <a:schemeClr val="lt1"/>
+          </a:fontRef>
+        </p:style>
+        <p:txBody>
+          <a:bodyPr rtlCol="0" anchor="ctr"/>
+          <a:lstStyle/>
+          <a:p>
+            <a:pPr algn="ctr"/>
+            <a:r>
+              <a:rPr lang="en-US" dirty="0" smtClean="0"/>
+              <a:t>MLP</a:t>
+            </a:r>
+            <a:endParaRPr lang="en-US" dirty="0"/>
+          </a:p>
+        </p:txBody>
+      </p:sp>
+      <p:sp>
+        <p:nvSpPr>
+          <p:cNvPr id="8" name="Rectangle 7"/>
+          <p:cNvSpPr/>
+          <p:nvPr/>
+        </p:nvSpPr>
+        <p:spPr>
+          <a:xfrm>
+            <a:off x="8618192" y="2625434"/>
+            <a:ext cx="2264229" cy="1553028"/>
+          </a:xfrm>
+          <a:prstGeom prst="rect">
+            <a:avLst/>
+          </a:prstGeom>
+        </p:spPr>
+        <p:style>
+          <a:lnRef idx="2">
+            <a:schemeClr val="accent1">
+              <a:shade val="50000"/>
+            </a:schemeClr>
+          </a:lnRef>
+          <a:fillRef idx="1">
+            <a:schemeClr val="accent1"/>
+          </a:fillRef>
+          <a:effectRef idx="0">
+            <a:schemeClr val="accent1"/>
+          </a:effectRef>
+          <a:fontRef idx="minor">
+            <a:schemeClr val="lt1"/>
+          </a:fontRef>
+        </p:style>
+        <p:txBody>
+          <a:bodyPr rtlCol="0" anchor="ctr"/>
+          <a:lstStyle/>
+          <a:p>
+            <a:pPr algn="ctr"/>
+            <a:r>
+              <a:rPr lang="en-US" dirty="0" smtClean="0"/>
+              <a:t>evaluation</a:t>
+            </a:r>
+            <a:endParaRPr lang="en-US" dirty="0"/>
+          </a:p>
+        </p:txBody>
+      </p:sp>
+      <p:cxnSp>
+        <p:nvCxnSpPr>
+          <p:cNvPr id="10" name="Straight Arrow Connector 9"/>
+          <p:cNvCxnSpPr>
+            <a:endCxn id="4" idx="1"/>
+          </p:cNvCxnSpPr>
+          <p:nvPr/>
+        </p:nvCxnSpPr>
+        <p:spPr>
+          <a:xfrm>
+            <a:off x="100935" y="3408546"/>
+            <a:ext cx="959269" cy="0"/>
+          </a:xfrm>
+          <a:prstGeom prst="straightConnector1">
+            <a:avLst/>
+          </a:prstGeom>
+          <a:ln>
+            <a:tailEnd type="triangle"/>
+          </a:ln>
+        </p:spPr>
+        <p:style>
+          <a:lnRef idx="1">
+            <a:schemeClr val="accent1"/>
+          </a:lnRef>
+          <a:fillRef idx="0">
+            <a:schemeClr val="accent1"/>
+          </a:fillRef>
+          <a:effectRef idx="0">
+            <a:schemeClr val="accent1"/>
+          </a:effectRef>
+          <a:fontRef idx="minor">
+            <a:schemeClr val="tx1"/>
+          </a:fontRef>
+        </p:style>
+      </p:cxnSp>
+      <p:cxnSp>
+        <p:nvCxnSpPr>
+          <p:cNvPr id="12" name="Straight Arrow Connector 11"/>
+          <p:cNvCxnSpPr>
+            <a:stCxn id="4" idx="3"/>
+            <a:endCxn id="5" idx="1"/>
+          </p:cNvCxnSpPr>
+          <p:nvPr/>
+        </p:nvCxnSpPr>
+        <p:spPr>
+          <a:xfrm flipV="1">
+            <a:off x="3029527" y="3403600"/>
+            <a:ext cx="572656" cy="4946"/>
+          </a:xfrm>
+          <a:prstGeom prst="straightConnector1">
+            <a:avLst/>
+          </a:prstGeom>
+          <a:ln>
+            <a:tailEnd type="triangle"/>
+          </a:ln>
+        </p:spPr>
+        <p:style>
+          <a:lnRef idx="1">
+            <a:schemeClr val="accent1"/>
+          </a:lnRef>
+          <a:fillRef idx="0">
+            <a:schemeClr val="accent1"/>
+          </a:fillRef>
+          <a:effectRef idx="0">
+            <a:schemeClr val="accent1"/>
+          </a:effectRef>
+          <a:fontRef idx="minor">
+            <a:schemeClr val="tx1"/>
+          </a:fontRef>
+        </p:style>
+      </p:cxnSp>
+      <p:cxnSp>
+        <p:nvCxnSpPr>
+          <p:cNvPr id="18" name="Straight Arrow Connector 17"/>
+          <p:cNvCxnSpPr>
+            <a:stCxn id="5" idx="3"/>
+          </p:cNvCxnSpPr>
+          <p:nvPr/>
+        </p:nvCxnSpPr>
+        <p:spPr>
+          <a:xfrm>
+            <a:off x="5689600" y="3403600"/>
+            <a:ext cx="600363" cy="9892"/>
+          </a:xfrm>
+          <a:prstGeom prst="straightConnector1">
+            <a:avLst/>
+          </a:prstGeom>
+          <a:ln>
+            <a:tailEnd type="triangle"/>
+          </a:ln>
+        </p:spPr>
+        <p:style>
+          <a:lnRef idx="1">
+            <a:schemeClr val="accent1"/>
+          </a:lnRef>
+          <a:fillRef idx="0">
+            <a:schemeClr val="accent1"/>
+          </a:fillRef>
+          <a:effectRef idx="0">
+            <a:schemeClr val="accent1"/>
+          </a:effectRef>
+          <a:fontRef idx="minor">
+            <a:schemeClr val="tx1"/>
+          </a:fontRef>
+        </p:style>
+      </p:cxnSp>
+      <p:cxnSp>
+        <p:nvCxnSpPr>
+          <p:cNvPr id="19" name="Straight Arrow Connector 18"/>
+          <p:cNvCxnSpPr>
+            <a:stCxn id="6" idx="3"/>
+            <a:endCxn id="8" idx="1"/>
+          </p:cNvCxnSpPr>
+          <p:nvPr/>
+        </p:nvCxnSpPr>
+        <p:spPr>
+          <a:xfrm>
+            <a:off x="8045535" y="3401948"/>
+            <a:ext cx="572657" cy="0"/>
+          </a:xfrm>
+          <a:prstGeom prst="straightConnector1">
+            <a:avLst/>
+          </a:prstGeom>
+          <a:ln>
+            <a:tailEnd type="triangle"/>
+          </a:ln>
+        </p:spPr>
+        <p:style>
+          <a:lnRef idx="1">
+            <a:schemeClr val="accent1"/>
+          </a:lnRef>
+          <a:fillRef idx="0">
+            <a:schemeClr val="accent1"/>
+          </a:fillRef>
+          <a:effectRef idx="0">
+            <a:schemeClr val="accent1"/>
+          </a:effectRef>
+          <a:fontRef idx="minor">
+            <a:schemeClr val="tx1"/>
+          </a:fontRef>
+        </p:style>
+      </p:cxnSp>
+      <p:sp>
+        <p:nvSpPr>
+          <p:cNvPr id="3" name="TextBox 2"/>
+          <p:cNvSpPr txBox="1"/>
+          <p:nvPr/>
+        </p:nvSpPr>
+        <p:spPr>
+          <a:xfrm>
+            <a:off x="147550" y="3032616"/>
+            <a:ext cx="679994" cy="369332"/>
+          </a:xfrm>
+          <a:prstGeom prst="rect">
+            <a:avLst/>
+          </a:prstGeom>
+          <a:noFill/>
+        </p:spPr>
+        <p:txBody>
+          <a:bodyPr wrap="none" rtlCol="0">
+            <a:spAutoFit/>
+          </a:bodyPr>
+          <a:lstStyle/>
+          <a:p>
+            <a:r>
+              <a:rPr lang="en-US" dirty="0" smtClean="0"/>
+              <a:t>input</a:t>
+            </a:r>
+            <a:endParaRPr lang="en-US" dirty="0"/>
+          </a:p>
+        </p:txBody>
+      </p:sp>
+      <p:pic>
+        <p:nvPicPr>
+          <p:cNvPr id="13" name="Picture 2" descr="ASU | Home"/>
+          <p:cNvPicPr>
+            <a:picLocks noChangeAspect="1" noChangeArrowheads="1"/>
+          </p:cNvPicPr>
+          <p:nvPr/>
+        </p:nvPicPr>
+        <p:blipFill>
+          <a:blip r:embed="rId2">
+            <a:extLst>
+              <a:ext uri="{28A0092B-C50C-407E-A947-70E740481C1C}">
+                <a14:useLocalDpi xmlns:a14="http://schemas.microsoft.com/office/drawing/2010/main" val="0"/>
+              </a:ext>
+            </a:extLst>
+          </a:blip>
+          <a:srcRect/>
+          <a:stretch>
+            <a:fillRect/>
+          </a:stretch>
+        </p:blipFill>
+        <p:spPr bwMode="auto">
+          <a:xfrm>
+            <a:off x="11083635" y="113794"/>
+            <a:ext cx="989157" cy="989157"/>
+          </a:xfrm>
+          <a:prstGeom prst="rect">
+            <a:avLst/>
+          </a:prstGeom>
+          <a:noFill/>
+          <a:extLst>
+            <a:ext uri="{909E8E84-426E-40DD-AFC4-6F175D3DCCD1}">
+              <a14:hiddenFill xmlns:a14="http://schemas.microsoft.com/office/drawing/2010/main">
+                <a:solidFill>
+                  <a:srgbClr val="FFFFFF"/>
+                </a:solidFill>
+              </a14:hiddenFill>
+            </a:ext>
+          </a:extLst>
+        </p:spPr>
+      </p:pic>
+    </p:spTree>
+    <p:extLst>
+      <p:ext uri="{BB962C8B-B14F-4D97-AF65-F5344CB8AC3E}">
+        <p14:creationId xmlns:p14="http://schemas.microsoft.com/office/powerpoint/2010/main" val="1541080964"/>
+      </p:ext>
+    </p:extLst>
+  </p:cSld>
+  <p:clrMapOvr>
+    <a:masterClrMapping/>
+  </p:clrMapOvr>
+</p:sld>
+</file>
+
+<file path=ppt/slides/slide12.xml><?xml version="1.0" encoding="utf-8"?>
+<p:sld xmlns:a="http://schemas.openxmlformats.org/drawingml/2006/main" xmlns:r="http://schemas.openxmlformats.org/officeDocument/2006/relationships" xmlns:p="http://schemas.openxmlformats.org/presentationml/2006/main">
+  <p:cSld>
+    <p:spTree>
+      <p:nvGrpSpPr>
+        <p:cNvPr id="1" name=""/>
+        <p:cNvGrpSpPr/>
+        <p:nvPr/>
+      </p:nvGrpSpPr>
+      <p:grpSpPr>
+        <a:xfrm>
+          <a:off x="0" y="0"/>
+          <a:ext cx="0" cy="0"/>
+          <a:chOff x="0" y="0"/>
+          <a:chExt cx="0" cy="0"/>
+        </a:xfrm>
+      </p:grpSpPr>
+      <p:sp>
+        <p:nvSpPr>
+          <p:cNvPr id="2" name="Title 1"/>
+          <p:cNvSpPr>
+            <a:spLocks noGrp="1"/>
+          </p:cNvSpPr>
+          <p:nvPr>
+            <p:ph type="title"/>
+          </p:nvPr>
+        </p:nvSpPr>
+        <p:spPr/>
+        <p:txBody>
+          <a:bodyPr/>
+          <a:lstStyle/>
+          <a:p>
+            <a:r>
+              <a:rPr lang="en-US" dirty="0" smtClean="0"/>
+              <a:t>Results</a:t>
+            </a:r>
+            <a:endParaRPr lang="en-US" dirty="0"/>
+          </a:p>
+        </p:txBody>
+      </p:sp>
+      <p:sp>
+        <p:nvSpPr>
+          <p:cNvPr id="3" name="Content Placeholder 2"/>
+          <p:cNvSpPr>
+            <a:spLocks noGrp="1"/>
+          </p:cNvSpPr>
+          <p:nvPr>
+            <p:ph idx="1"/>
+          </p:nvPr>
+        </p:nvSpPr>
+        <p:spPr/>
+        <p:txBody>
+          <a:bodyPr/>
+          <a:lstStyle/>
+          <a:p>
+            <a:r>
+              <a:rPr lang="en-US" dirty="0" smtClean="0"/>
+              <a:t>100 epochs</a:t>
+            </a:r>
+          </a:p>
+          <a:p>
+            <a:r>
+              <a:rPr lang="en-US" dirty="0" smtClean="0"/>
+              <a:t>Learning Rate 1e^-2</a:t>
+            </a:r>
+          </a:p>
+          <a:p>
+            <a:r>
+              <a:rPr lang="en-US" dirty="0" smtClean="0"/>
+              <a:t>Minimum Loss reached: 0.0704</a:t>
+            </a:r>
+          </a:p>
+          <a:p>
+            <a:endParaRPr lang="en-US" dirty="0"/>
+          </a:p>
+        </p:txBody>
+      </p:sp>
+      <p:pic>
+        <p:nvPicPr>
+          <p:cNvPr id="6" name="Picture 5" descr="C:\Users\Mohamed\AppData\Local\Microsoft\Windows\INetCache\Content.MSO\178D8623.tmp"/>
+          <p:cNvPicPr/>
+          <p:nvPr/>
+        </p:nvPicPr>
+        <p:blipFill>
+          <a:blip r:embed="rId2">
+            <a:extLst>
+              <a:ext uri="{28A0092B-C50C-407E-A947-70E740481C1C}">
+                <a14:useLocalDpi xmlns:a14="http://schemas.microsoft.com/office/drawing/2010/main" val="0"/>
+              </a:ext>
+            </a:extLst>
+          </a:blip>
+          <a:srcRect/>
+          <a:stretch>
+            <a:fillRect/>
+          </a:stretch>
+        </p:blipFill>
+        <p:spPr bwMode="auto">
+          <a:xfrm>
+            <a:off x="6470216" y="1690688"/>
+            <a:ext cx="5070475" cy="3533140"/>
+          </a:xfrm>
+          <a:prstGeom prst="rect">
+            <a:avLst/>
+          </a:prstGeom>
+          <a:noFill/>
+          <a:ln>
+            <a:noFill/>
+          </a:ln>
+        </p:spPr>
+      </p:pic>
+      <p:pic>
+        <p:nvPicPr>
+          <p:cNvPr id="5" name="Picture 2" descr="ASU | Home"/>
+          <p:cNvPicPr>
+            <a:picLocks noChangeAspect="1" noChangeArrowheads="1"/>
+          </p:cNvPicPr>
+          <p:nvPr/>
+        </p:nvPicPr>
+        <p:blipFill>
+          <a:blip r:embed="rId3">
+            <a:extLst>
+              <a:ext uri="{28A0092B-C50C-407E-A947-70E740481C1C}">
+                <a14:useLocalDpi xmlns:a14="http://schemas.microsoft.com/office/drawing/2010/main" val="0"/>
+              </a:ext>
+            </a:extLst>
+          </a:blip>
+          <a:srcRect/>
+          <a:stretch>
+            <a:fillRect/>
+          </a:stretch>
+        </p:blipFill>
+        <p:spPr bwMode="auto">
+          <a:xfrm>
+            <a:off x="11083635" y="113794"/>
+            <a:ext cx="989157" cy="989157"/>
+          </a:xfrm>
+          <a:prstGeom prst="rect">
+            <a:avLst/>
+          </a:prstGeom>
+          <a:noFill/>
+          <a:extLst>
+            <a:ext uri="{909E8E84-426E-40DD-AFC4-6F175D3DCCD1}">
+              <a14:hiddenFill xmlns:a14="http://schemas.microsoft.com/office/drawing/2010/main">
+                <a:solidFill>
+                  <a:srgbClr val="FFFFFF"/>
+                </a:solidFill>
+              </a14:hiddenFill>
+            </a:ext>
+          </a:extLst>
+        </p:spPr>
+      </p:pic>
+    </p:spTree>
+    <p:extLst>
+      <p:ext uri="{BB962C8B-B14F-4D97-AF65-F5344CB8AC3E}">
+        <p14:creationId xmlns:p14="http://schemas.microsoft.com/office/powerpoint/2010/main" val="647248906"/>
+      </p:ext>
+    </p:extLst>
+  </p:cSld>
+  <p:clrMapOvr>
+    <a:masterClrMapping/>
+  </p:clrMapOvr>
+</p:sld>
+</file>
+
+<file path=ppt/slides/slide13.xml><?xml version="1.0" encoding="utf-8"?>
+<p:sld xmlns:a="http://schemas.openxmlformats.org/drawingml/2006/main" xmlns:r="http://schemas.openxmlformats.org/officeDocument/2006/relationships" xmlns:p="http://schemas.openxmlformats.org/presentationml/2006/main">
+  <p:cSld>
+    <p:spTree>
+      <p:nvGrpSpPr>
+        <p:cNvPr id="1" name=""/>
+        <p:cNvGrpSpPr/>
+        <p:nvPr/>
+      </p:nvGrpSpPr>
+      <p:grpSpPr>
+        <a:xfrm>
+          <a:off x="0" y="0"/>
+          <a:ext cx="0" cy="0"/>
+          <a:chOff x="0" y="0"/>
+          <a:chExt cx="0" cy="0"/>
+        </a:xfrm>
+      </p:grpSpPr>
+      <p:sp>
+        <p:nvSpPr>
+          <p:cNvPr id="2" name="Title 1"/>
+          <p:cNvSpPr>
+            <a:spLocks noGrp="1"/>
+          </p:cNvSpPr>
+          <p:nvPr>
+            <p:ph type="title"/>
+          </p:nvPr>
+        </p:nvSpPr>
+        <p:spPr/>
+        <p:txBody>
+          <a:bodyPr/>
+          <a:lstStyle/>
+          <a:p>
+            <a:r>
+              <a:rPr lang="en-US" dirty="0" smtClean="0"/>
+              <a:t>Results </a:t>
+            </a:r>
+            <a:r>
+              <a:rPr lang="en-US" dirty="0" err="1" smtClean="0"/>
+              <a:t>Cont</a:t>
+            </a:r>
+            <a:r>
+              <a:rPr lang="en-US" dirty="0" smtClean="0"/>
+              <a:t>’</a:t>
+            </a:r>
+            <a:endParaRPr lang="en-US" dirty="0"/>
+          </a:p>
+        </p:txBody>
+      </p:sp>
+      <p:sp>
+        <p:nvSpPr>
+          <p:cNvPr id="4" name="AutoShape 2" descr="data:image/png;base64,iVBORw0KGgoAAAANSUhEUgAAAYkAAAEWCAYAAACT7WsrAAAABHNCSVQICAgIfAhkiAAAAAlwSFlzAAALEgAACxIB0t1+/AAAADh0RVh0U29mdHdhcmUAbWF0cGxvdGxpYiB2ZXJzaW9uMy4yLjIsIGh0dHA6Ly9tYXRwbG90bGliLm9yZy+WH4yJAAAbxklEQVR4nO3de5hddX3v8feHxEArFMFEDxAgCNQ2Wgo2RcVaeBQRlILt0QqIpZaWYyunWrUVitWK0lbr/ZRWaEvVykWx2qYYi4pAtRRNVBolGEkQIbGUcBW8AEm+54+1BteemZ3sSWZnkpn363n2k7V+67J/a6/J/uz1+61LqgpJksaz01RXQJK0/TIkJEl9GRKSpL4MCUlSX4aEJKkvQ0KS1JchoW0uyVFJ1gww361Jjt4WdZpukjwxyb8neSDJu6a6PuD+3FEZEtKQJPnTJJXk1ztls9uyBUN++zOAu4CfqqrXDfm9NI0ZEtJw3QO8Jcmsbfy++wMryqtltZUMCW2RJG9I8vFRZe9L8v52+BVJbmqbO25J8n+28v12TvLeJN9tX+9NsnM7bW6SK5Lcl+SeJF9IslOnnmvbeqxM8txx1v30JHd0v8iT/GqS5e3w4UmWJflekv9J8u4JVP3fgIeBU/ts1+5JPpxkXZLvJHnjSN0H+EyOSLI0yf3tv0e05R8ETgP+KMmD4zXxtJ/nO5Pc1m7TB5L8RDvtqCRrkvxxkrvaZqKXDVrnJL/T2fcrkjyt89aHJlne1vmjSXZpl+m7DzXFqsqXrwm/aH6p/gDYrR2fBfw38Ix2/IXAgUCAI9t5n9ZOOwpYM8B73Aoc3Q6fC1wPPAGYB1wHvLWd9ufAB4DHtK9nt+/7ZOB2YO92vgXAgX3eazXwvM745cBZ7fB/Ai9vh3cd2cYB6v+nwEeAE4Bb2rrNBgpY0M7zYeBfgN3a+n0LOH2Ade8J3Au8vF3nye3449vpHwTetonl3wMsbtezG/CvwJ939s964N3Azu3++z7w5M3VGXgJsBb4xXYfHATs39mfXwb2bt/3JuCVm9qHU/137qs8ktCWqarvAF8FfrUteg7wg6q6vp3+qapaXY1rgc/Q/MffUi8Dzq2qO6tqHfAWmi9IgEeAvWi+jB6pqi9U882zgeZLbmGSx1TVrVW1us/6L6X5oiXJbsAL2rKR9R+UZG5VPTiyjYOqqsXAOuC3u+XtkctJwNlV9UBV3Qq8q7Ndm/JC4Oaq+seqWl9VlwLfBH5lcwsmCU2fxR9U1T1V9QDwZ21duv6kqh5q99+ngF8foM6/Dbyjqpa2+35V+7cy4v1V9d2quocmmA5ty/vtQ00xQ0Jb4xLaL1bglHYcgCTHJbm+bTq4j+ZLd+5WvNfeQPfL5jttGcBfAquAz7RNW2cBVNUq4DU0v+jvTHJZkr0Z3yXAr7VNWL8GfLXz5XY68NPAN9tmneO3oP5vBM4BdumUzaX51Tx6u/YZYH2jP4+JLDsP+EngK23zzn00zWLzOvPcW1XfH7XuvQeo8740R2X93NEZ/gHNkRn02YeaeoaEtsblwFFJ5tMcUVwCTXs38E/AO4EnVtXjgCU0zQ9b6rs0TVwj9mvLaH/Rvq6qnkTTtPPakb6Hqrqkqn6pXbaAt4+38qpaQfNldxyjAq+qbq6qk2maut4OfDzJYydS+ar6LM2X4O91iu+i+QU9ervWDrDK0Z/HRJa9C/gh8JSqelz72r2qdu3Ms8eobRz5vDdX59tpmhknZFP7UFPLkNAWa5t9rgH+Afh2Vd3UTppD08yzDlif5DjgmK18u0uBNyaZl2Qu8Caa9n6SHJ/koLYZ5X6aZqaNSZ6c5DltaP2I5otx4ybe4xLg1cAv0wQg7fpPTTKvqjYC97XFm1pPP+cAfzQyUlUbgI8B5yXZLcn+wGtHtmszlgA/neSUNKfVvhRYCFyxuQXb7fhb4D1JngCQZJ8kzx8161uSzEnybOB44PIB6vx3wOuT/EIaB7XzbFK/fTjA56AhMyS0tS4Bjqb3l/cDwO/TfJncS/PLfPFWvs/bgGXAcuDrNP0hb2unHQx8DniQppP5r6vqapqg+guaX7930BwJnL2J97iUppP281V1V6f8WODGJA8C7wNOqqofArRnDw3U11JV/0HTcdv1f2k6hW8BvkjzOV7UrvuPk3y6z7rupvnifh1wN034HD+q3pvyBpojm+uTfI/m83tyZ/odNPvuu8DFNB3M39xcnavqcuC8tuwB4J9pOqk3p98+1BSLfUOSupIcBXykquZPdV009TySkCT1NXuqK6CZK8l+wIo+kxdW1W3bsj6SxrK5SZLUl81NkqS+plVz09y5c2vBggVTXQ1J2qF85Stfuauq5o03bVqFxIIFC1i2bNlUV0OSdihJRl+9/yibmyRJfRkSkqS+DAlJUl+GhCSpL0NCktTXjA+JD1y7mutW994T7brVd/GBazd1S3xJmhlmfEgcMn93zrzka48GxXWr7+LMS77GIfN3n+KaSdLUm1bXSWyJIw6cy3kveiq/9cGl/O+nzefT37iDvzrlMI44cGseoiZJ08OMP5IAOGDeY/nRIxu5+Eu3cerT9zMgJKllSAD/dXvzsLEXPPV/8ZEv3Tamj0KSZqoZHxLXrb6LP1vSPHXz+J/fm7865bCePgpJmslmfEgsX3M/f/yChY+OH3HgXP7qlMNYvub+KayVJG0fZnzH9SuPPJCVdzwAwMijNY44cK79EpKERxIAJFNdA0naPhkSkqS+DImOwke5SlKXIQHY2iRJ4zMkOsoDCUnqYUhgx7Uk9WNISJL6MiQ6bG2SpF6GBGDXtSSNz5DoKHuuJamHIYEd15LUjyEhSerLkJAk9WVIYLe1JPVjSHTYby1JvQwJIPZcS9K4DAlJUl9DD4kkxyZZmWRVkrPGmf7KJF9PckOSLyZZ2Jl2drvcyiTPH3ZdvVW4JPUaakgkmQWcDxwHLARO7oZA65Kq+rmqOhR4B/DudtmFwEnAU4Bjgb9u1zf59RzGSiVpGhj2kcThwKqquqWqHgYuA07szlBV3+uMPpYf30LpROCyqnqoqr4NrGrXNzR2XEtSr9lDXv8+wO2d8TXA00fPlORVwGuBOcBzOsteP2rZfcZZ9gzgDID99ttviyppv7UkjW+76LiuqvOr6kDgDcAbJ7jshVW1qKoWzZs3bzgVlKQZatghsRbYtzM+vy3r5zLgRVu47FazuUmSeg07JJYCByc5IMkcmo7oxd0ZkhzcGX0hcHM7vBg4KcnOSQ4ADga+PIxKxq5rSRrXUPskqmp9kjOBK4FZwEVVdWOSc4FlVbUYODPJ0cAjwL3Aae2yNyb5GLACWA+8qqo2DLW+w1y5JO2Aht1xTVUtAZaMKntTZ/jVm1j2POC84dWuYce1JI1vu+i4liRtnwyJDp9MJ0m9DAlJUl+GRIfHEZLUy5DAjmtJ6seQkCT1ZUh02d4kST0MCXwynST1Y0h0+NAhSeplSEiS+jIk8Ml0ktSPIdHhBdeS1MuQwOskJKkfQ6LDAwlJ6mVISJL6MiTwyXSS1I8h0WHHtST1MiSw41qS+jEkJEl9GRId3pZDknoZEnjFtST1Y0h02HEtSb0MCfBQQpL6MCQkSX0ZEh22NklSL0MCr7iWpH4MiS57riWphyGBV1xLUj9DD4kkxyZZmWRVkrPGmf7aJCuSLE9yVZL9O9M2JLmhfS0edl0lSb1mD3PlSWYB5wPPA9YAS5MsrqoVndm+Biyqqh8k+V3gHcBL22k/rKpDh1nHLhubJKnXsI8kDgdWVdUtVfUwcBlwYneGqrq6qn7Qjl4PzB9yncawtUmSxjfskNgHuL0zvqYt6+d04NOd8V2SLEtyfZIXjbdAkjPaeZatW7duqyprv7Uk9Rpqc9NEJDkVWAQc2Snev6rWJnkS8PkkX6+q1d3lqupC4EKARYsWbdHXfOy5lqRxDftIYi2wb2d8flvWI8nRwDnACVX10Eh5Va1t/70FuAY4bJiVlST1GnZILAUOTnJAkjnASUDPWUpJDgMuoAmIOzvleyTZuR2eCzwL6HZ4T7qyvUmSegy1uamq1ic5E7gSmAVcVFU3JjkXWFZVi4G/BHYFLm+bfW6rqhOAnwUuSLKRJsz+YtRZUZPGxiZJGt/Q+ySqagmwZFTZmzrDR/dZ7jrg54Zbu1HvuS3fTJJ2AF5xjVdcS1I/hoQkqS9DosN+a0nqZUjgrcIlqR9DosMDCUnqZUhIkvoyJMALJSSpD0OiwyuuJamXIYHXSUhSP4aEJKkvQ0KS1Jchgf3WktSPIdFhv7Uk9TIk8Ml0ktSPIdFRXnMtST0GCokkL0myWzv8xiSfSPK04VZNkjTVBj2S+JOqeiDJLwFHA38P/M3wqrVt2dgkSeMbNCQ2tP++ELiwqj4FzBlOlaaOHdeS1GvQkFib5ALgpcCSJDtPYNntnv3WkjS+Qb/ofx24Enh+Vd0H7An84dBqNUU8kJCkXrMHnG8v4FNV9VCSo4BDgA8PrVaSpO3CoEcS/wRsSHIQcCGwL3DJ0Gq1jflkOkka36AhsbGq1gO/Bvy/qvpDmqOLacWOa0nqNWhIPJLkZOA3gCvasscMp0rbnh3XkjS+QUPiFcAzgfOq6ttJDgD+cXjVmhpecS1JvQYKiapaAbwe+HqSpwJrqurtQ62ZJGnKDXR2U3tG04eAW2kuUN43yWlV9e/Dq5okaaoNegrsu4BjqmolQJKfBi4FfmFYFZsKdlxLUq9B+yQeMxIQAFX1Ley4lqRpb9CQWJbk75Ic1b7+Flg2yIJJjk2yMsmqJGeNM/21SVYkWZ7kqiT7d6adluTm9nXagHWVJE2SQUPid4EVwO+3rxVt2SYlmQWcDxwHLAROTrJw1GxfAxZV1SHAx4F3tMvuCbwZeDpwOPDmJHsMWF9J0iQYqE+iqh4C3t2+JuJwYFVV3QKQ5DLgRJqQGVn31Z35rwdObYefD3y2qu5pl/0scCxNX8ik8oprSRrfJkMiydfZxH3v2l//m7IPcHtnfA3NkUE/pwOf3sSy+4xTxzOAMwD222+/zVRn08qea0nqsbkjieO3SS2AJKcCi4AjJ7JcVV1Icz8pFi1atEXf8nZcS9L4NhkSVfWdQVaS5D+r6pnjTFpLczPAEfPbstHLHw2cAxzZNm2NLHvUqGWvGaQ+kqTJMVkPDtqlT/lS4OAkBySZA5wELO7OkOQw4ALghKq6szPpSuCYJHu0HdbHtGVDY2uTJPUa9GK6zRn367Wq1ic5k+bLfRZwUVXdmORcYFlVLQb+EtgVuDxNu89tVXVCVd2T5K00QQNw7kgn9mSztUmSxjdZIdFXVS0Blowqe1Nn+OhNLHsRcNHwajfq/bbVG0nSDmKympt26B/jsedaksY1WSHx8klajyRpO7K56yQeYPxWmABVVT9FM/CNIdRtm7PjWpJ6be4U2N22VUWmko1NkjS+CXVcJ3kCndNdq+q2Sa/RFPLJdJLUa6A+iSQnJLkZ+DZwLc3Dhz69yYUkSTu8QTuu3wo8A/hWVR0APJfmZnzTgic3SdL4Bg2JR6rqbmCnJDu1d25dNMR6TQk7riWp16B9Evcl2RX4AnBxkjuB7w+vWtuW10lI0vgGPZK4GtgdeDXwb8Bq4FeGVamp4oGEJPUaNCRmA5+huQvrbsBH2+YnSdI0NlBIVNVbquopwKuAvYBrk3xuqDWTJE25id6W407gDuBu4AmTX50pZs+1JPUY9DqJ30tyDXAV8HjgdwZ4dOkOxb5rSRpr0LOb9gVeU1U3DLMyU83jCEnqNVBIVNXZw66IJGn7M1m3Ct/h2dokSWMZEh32W0tSL0Oi5VXXkjSWIdHhrcIlqZchIUnqy5Bo2dgkSWMZEh12XEtSL0OiZb+1JI1lSHR4ICFJvQwJSVJfhkQrdl1L0hiGRIcd15LUa+ghkeTYJCuTrEpy1jjTfznJV5OsT/LiUdM2JLmhfS0ebkWHunZJ2iENeqvwLZJkFnA+8DxgDbA0yeKqWtGZ7TbgN4HXj7OKH1bVocOsY5dXXEtSr6GGBHA4sKqqbgFIchlwIvBoSFTVre20jUOuiyRpgobd3LQPcHtnfE1bNqhdkixLcn2SF403Q5Iz2nmWrVu3bosramuTJI21vXdc719Vi4BTgPcmOXD0DFV1YVUtqqpF8+bN27p3s7VJknoMOyTW0jz6dMT8tmwgVbW2/fcW4BrgsMmsXJdXXEvSWMMOiaXAwUkOSDIHOAkY6CylJHsk2bkdngs8i05fxjB4ICFJvYYaElW1HjgTuBK4CfhYVd2Y5NwkJwAk+cUka4CXABckubFd/GeBZUn+C7ga+ItRZ0VJkoZs2Gc3UVVLgCWjyt7UGV5K0ww1ernrgJ8bdv1GeMW1JI21vXdcb1PlJdeS1MOQkCT1ZUi0Eu/dJEmjGRKSpL4MiZbd1pI0liHRYWuTJPUyJCRJfRkSrXhfDkkaw5Do8OwmSeplSLQ8jpCksQyJDp9MJ0m9DAlJUl+GxAjbmyRpDEOiw45rSeplSLQ8kJCksQwJSVJfhoQkqS9DouUV15I0liHR4ZPpJKmXIdHyQEKSxjIkOjyOkKRehoQkqS9DomVrkySNZUh02G8tSb0MiZanwErSWIZEh7cKl6RehoQkqS9DomVjkySNZUh02HEtSb2GHhJJjk2yMsmqJGeNM/2Xk3w1yfokLx417bQkN7ev04Zbz2GuXZJ2TEMNiSSzgPOB44CFwMlJFo6a7TbgN4FLRi27J/Bm4OnA4cCbk+wxzPp6ICFJvYZ9JHE4sKqqbqmqh4HLgBO7M1TVrVW1HNg4atnnA5+tqnuq6l7gs8CxQ66vJKlj2CGxD3B7Z3xNWzZpyyY5I8myJMvWrVu3xRW161qSxtrhO66r6sKqWlRVi+bNm7eV65qkSknSNDHskFgL7NsZn9+WDXvZCbPjWpLGGnZILAUOTnJAkjnAScDiAZe9EjgmyR5th/UxbdkQeSghSV1DDYmqWg+cSfPlfhPwsaq6Mcm5SU4ASPKLSdYALwEuSHJju+w9wFtpgmYpcG5bJknaRmYP+w2qagmwZFTZmzrDS2maksZb9iLgoqFWsGVrkySNtcN3XE8mO64lqZchIUnqy5BoJR5JSNJohoQkqS9DohW7riVpDEOiwyfTSVIvQ0KS1Jch0bLjWpLGMiQkSX0ZEi27rSVpLEOiw9YmSeplSEiS+jIkWknsuJakUYZ+F9jt3XPeeQ3rHnyIB3+0nn+5YS3/uvy7bNhYbNhoYgzTToHHzpnF+vaz3nXn2Ryy7+P44CsOn+qqSeqY8SHxzAP35OIvNY/SXr+xwHDYJjYWPPDQhkfH7/nBI1yzch0LzvrUFNZK2vHMmRV2nr3T0H5wzfiQOO9XDwF4NCgkaUfy8Ibi4Q29P7ieddDjJ2399knQBMWcWZ4EK2nHd84Lf4bfefaBk7Y+QwI455PLeXiDzUySdmyHL9hjUgMCDAnO+eRym5okTQtfvvVe/vYLqyd1nTO+T+I/V9/Dbrv8+GN4aP1Gz26StMM671PfBJi0I4oZHxKff/1RU12FGecD167mQ9fdyt3ff5jZgVmzduJHD29gfZXXqkgTNN7ZTf+x6m5DQjuuVx55IK88cnLbTSUNx4zvk5Ak9WdISJL6MiQkSX0ZEpKkvgwJSVJfqWl0zmGSdcB3tmIVc4G7Jqk6O4KZtr3gNs8UbvPE7F9V88abMK1CYmslWVZVi6a6HtvKTNtecJtnCrd58tjcJEnqy5CQJPVlSPS6cKorsI3NtO0Ft3mmcJsniX0SkqS+PJKQJPVlSEiS+jIkgCTHJlmZZFWSs6a6PpMlyb5Jrk6yIsmNSV7dlu+Z5LNJbm7/3aMtT5L3t5/D8iRPm9ot2DJJZiX5WpIr2vEDknyp3a6PJpnTlu/cjq9qpy+YynpvjSSPS/LxJN9MclOSZ07n/ZzkD9q/6W8kuTTJLtNxPye5KMmdSb7RKZvwfk1yWjv/zUlOm0gdZnxIJJkFnA8cBywETk6ycGprNWnWA6+rqoXAM4BXtdt2FnBVVR0MXNWOQ/MZHNy+zgD+ZttXeVK8GripM/524D1VdRBwL3B6W346cG9b/p52vh3V+4B/q6qfAX6eZvun5X5Osg/w+8CiqnoqMAs4iem5nz8IHDuqbEL7NcmewJuBpwOHA28eCZaBVNWMfgHPBK7sjJ8NnD3V9RrStv4L8DxgJbBXW7YXsLIdvgA4uTP/o/PtKC9gfvsf5znAFUBorkKdPXp/A1cCz2yHZ7fzZaq3YQu2eXfg26PrPl33M7APcDuwZ7vfrgCeP133M7AA+MaW7lfgZOCCTnnPfJt7zfgjCX78BzdiTVs2rbSH2IcBXwKeWFX/3U66A3hiOzwdPov3An8EbGzHHw/cV1Xr2/HuNj26ve30+9v5dzQHAOuAf2ib2f4uyWOZpvu5qtYC7wRuA/6bZr99hem/n0dMdL9u1f42JGaAJLsC/wS8pqq+151WzU+LaXEedJLjgTur6itTXZdtbDbwNOBvquow4Pv8uAkCmHb7eQ/gRJpw3Bt4LGObZGaEbbFfDQlYC+zbGZ/flk0LSR5DExAXV9Un2uL/SbJXO30v4M62fEf/LJ4FnJDkVuAymian9wGPSzLyqN7uNj26ve303YG7t2WFJ8kaYE1Vfakd/zhNaEzX/Xw08O2qWldVjwCfoNn3030/j5joft2q/W1IwFLg4PbMiDk0HWCLp7hOkyJJgL8Hbqqqd3cmLQZGznA4jaavYqT8N9qzJJ4B3N85rN3uVdXZVTW/qhbQ7MfPV9XLgKuBF7ezjd7ekc/hxe38O9yv7aq6A7g9yZPboucCK5im+5mmmekZSX6y/Rsf2d5pvZ87JrpfrwSOSbJHexR2TFs2mKnulNkeXsALgG8Bq4Fzpro+k7hdv0RzKLocuKF9vYCmPfYq4Gbgc8Ce7fyhOdNrNfB1mrNHpnw7tnDbjwKuaIefBHwZWAVcDuzclu/Sjq9qpz9pquu9Fdt7KLCs3df/DOwxnfcz8Bbgm8A3gH8Edp6O+xm4lKbf5RGaI8bTt2S/Ar/Vbv8q4BUTqYO35ZAk9WVzkySpL0NCktSXISFJ6suQkCT1ZUhIkvoyJKTtRJKjRu5cK20vDAlJUl+GhDRBSU5N8uUkNyS5oH1+xYNJ3tM+4+CqJPPaeQ9Ncn17f/9Pdu79f1CSzyX5ryRfTXJgu/pdO8+FuLi9oliaMoaENAFJfhZ4KfCsqjoU2AC8jOYmc8uq6inAtTT37wf4MPCGqjqE5irYkfKLgfOr6ueBI2iuqoXmTr2voXm2yZNo7kkkTZnZm59FUsdzgV8AlrY/8n+C5gZrG4GPtvN8BPhEkt2Bx1XVtW35h4DLk+wG7FNVnwSoqh8BtOv7clWtacdvoHmWwBeHv1nS+AwJaWICfKiqzu4pTP5k1Hxber+bhzrDG/D/qKaYzU3SxFwFvDjJE+DR5w3vT/N/aeQOpKcAX6yq+4F7kzy7LX85cG1VPQCsSfKidh07J/nJbboV0oD8lSJNQFWtSPJG4DNJdqK5O+eraB70c3g77U6afgtobuX8gTYEbgFe0Za/HLggybntOl6yDTdDGph3gZUmQZIHq2rXqa6HNNlsbpIk9eWRhCSpL48kJEl9GRKSpL4MCUlSX4aEJKkvQ0KS1Nf/BzAHh5CGEnosAAAAAElFTkSuQmCC"/>
+          <p:cNvSpPr>
+            <a:spLocks noGrp="1" noChangeAspect="1" noChangeArrowheads="1"/>
+          </p:cNvSpPr>
+          <p:nvPr>
+            <p:ph idx="1"/>
+          </p:nvPr>
+        </p:nvSpPr>
+        <p:spPr bwMode="auto">
+          <a:prstGeom prst="rect">
+            <a:avLst/>
+          </a:prstGeom>
+          <a:noFill/>
+          <a:extLst>
+            <a:ext uri="{909E8E84-426E-40DD-AFC4-6F175D3DCCD1}">
+              <a14:hiddenFill xmlns:a14="http://schemas.microsoft.com/office/drawing/2010/main">
+                <a:solidFill>
+                  <a:srgbClr val="FFFFFF"/>
+                </a:solidFill>
+              </a14:hiddenFill>
+            </a:ext>
+          </a:extLst>
+        </p:spPr>
+        <p:txBody>
+          <a:bodyPr vert="horz" wrap="square" lIns="91440" tIns="45720" rIns="91440" bIns="45720" numCol="1" anchor="t" anchorCtr="0" compatLnSpc="1">
+            <a:prstTxWarp prst="textNoShape">
+              <a:avLst/>
+            </a:prstTxWarp>
+          </a:bodyPr>
+          <a:lstStyle/>
+          <a:p>
+            <a:r>
+              <a:rPr lang="en-US" dirty="0" smtClean="0"/>
+              <a:t>Training for 1000 epochs </a:t>
+            </a:r>
+          </a:p>
+          <a:p>
+            <a:r>
+              <a:rPr lang="en-US" dirty="0" smtClean="0"/>
+              <a:t>With learning rate of 1e^-3</a:t>
+            </a:r>
+          </a:p>
+          <a:p>
+            <a:r>
+              <a:rPr lang="en-US" dirty="0"/>
+              <a:t>Minimum Loss reached: 0.0695</a:t>
+            </a:r>
+          </a:p>
+          <a:p>
+            <a:endParaRPr lang="en-US" dirty="0"/>
+          </a:p>
+        </p:txBody>
+      </p:sp>
+      <p:pic>
+        <p:nvPicPr>
+          <p:cNvPr id="6" name="Picture 5" descr="C:\Users\Mohamed\AppData\Local\Microsoft\Windows\INetCache\Content.MSO\EBDD536C.tmp"/>
+          <p:cNvPicPr/>
+          <p:nvPr/>
+        </p:nvPicPr>
+        <p:blipFill>
+          <a:blip r:embed="rId2">
+            <a:extLst>
+              <a:ext uri="{28A0092B-C50C-407E-A947-70E740481C1C}">
+                <a14:useLocalDpi xmlns:a14="http://schemas.microsoft.com/office/drawing/2010/main" val="0"/>
+              </a:ext>
+            </a:extLst>
+          </a:blip>
+          <a:srcRect/>
+          <a:stretch>
+            <a:fillRect/>
+          </a:stretch>
+        </p:blipFill>
+        <p:spPr bwMode="auto">
+          <a:xfrm>
+            <a:off x="6197600" y="1690687"/>
+            <a:ext cx="5700568" cy="4636221"/>
+          </a:xfrm>
+          <a:prstGeom prst="rect">
+            <a:avLst/>
+          </a:prstGeom>
+          <a:noFill/>
+          <a:ln>
+            <a:noFill/>
+          </a:ln>
+        </p:spPr>
+      </p:pic>
+      <p:pic>
+        <p:nvPicPr>
+          <p:cNvPr id="5" name="Picture 2" descr="ASU | Home"/>
+          <p:cNvPicPr>
+            <a:picLocks noChangeAspect="1" noChangeArrowheads="1"/>
+          </p:cNvPicPr>
+          <p:nvPr/>
+        </p:nvPicPr>
+        <p:blipFill>
+          <a:blip r:embed="rId3">
+            <a:extLst>
+              <a:ext uri="{28A0092B-C50C-407E-A947-70E740481C1C}">
+                <a14:useLocalDpi xmlns:a14="http://schemas.microsoft.com/office/drawing/2010/main" val="0"/>
+              </a:ext>
+            </a:extLst>
+          </a:blip>
+          <a:srcRect/>
+          <a:stretch>
+            <a:fillRect/>
+          </a:stretch>
+        </p:blipFill>
+        <p:spPr bwMode="auto">
+          <a:xfrm>
+            <a:off x="11083635" y="113794"/>
+            <a:ext cx="989157" cy="989157"/>
+          </a:xfrm>
+          <a:prstGeom prst="rect">
+            <a:avLst/>
+          </a:prstGeom>
+          <a:noFill/>
+          <a:extLst>
+            <a:ext uri="{909E8E84-426E-40DD-AFC4-6F175D3DCCD1}">
+              <a14:hiddenFill xmlns:a14="http://schemas.microsoft.com/office/drawing/2010/main">
+                <a:solidFill>
+                  <a:srgbClr val="FFFFFF"/>
+                </a:solidFill>
+              </a14:hiddenFill>
+            </a:ext>
+          </a:extLst>
+        </p:spPr>
+      </p:pic>
+    </p:spTree>
+    <p:extLst>
+      <p:ext uri="{BB962C8B-B14F-4D97-AF65-F5344CB8AC3E}">
+        <p14:creationId xmlns:p14="http://schemas.microsoft.com/office/powerpoint/2010/main" val="3304466220"/>
+      </p:ext>
+    </p:extLst>
+  </p:cSld>
+  <p:clrMapOvr>
+    <a:masterClrMapping/>
+  </p:clrMapOvr>
+</p:sld>
+</file>
+
+<file path=ppt/slides/slide14.xml><?xml version="1.0" encoding="utf-8"?>
+<p:sld xmlns:a="http://schemas.openxmlformats.org/drawingml/2006/main" xmlns:r="http://schemas.openxmlformats.org/officeDocument/2006/relationships" xmlns:p="http://schemas.openxmlformats.org/presentationml/2006/main">
+  <p:cSld>
+    <p:spTree>
+      <p:nvGrpSpPr>
+        <p:cNvPr id="1" name=""/>
+        <p:cNvGrpSpPr/>
+        <p:nvPr/>
+      </p:nvGrpSpPr>
+      <p:grpSpPr>
+        <a:xfrm>
+          <a:off x="0" y="0"/>
+          <a:ext cx="0" cy="0"/>
+          <a:chOff x="0" y="0"/>
+          <a:chExt cx="0" cy="0"/>
+        </a:xfrm>
+      </p:grpSpPr>
+      <p:sp>
+        <p:nvSpPr>
+          <p:cNvPr id="2" name="Title 1"/>
+          <p:cNvSpPr>
+            <a:spLocks noGrp="1"/>
+          </p:cNvSpPr>
+          <p:nvPr>
+            <p:ph type="title"/>
+          </p:nvPr>
+        </p:nvSpPr>
+        <p:spPr>
+          <a:xfrm>
+            <a:off x="4468092" y="2895888"/>
+            <a:ext cx="3078017" cy="1325563"/>
+          </a:xfrm>
+        </p:spPr>
+        <p:txBody>
+          <a:bodyPr/>
+          <a:lstStyle/>
+          <a:p>
+            <a:r>
+              <a:rPr lang="en-US" dirty="0" smtClean="0"/>
+              <a:t>Thank You</a:t>
+            </a:r>
+            <a:endParaRPr lang="en-US" dirty="0"/>
+          </a:p>
+        </p:txBody>
+      </p:sp>
+      <p:pic>
+        <p:nvPicPr>
+          <p:cNvPr id="4" name="Picture 2" descr="ASU | Home"/>
+          <p:cNvPicPr>
+            <a:picLocks noChangeAspect="1" noChangeArrowheads="1"/>
+          </p:cNvPicPr>
+          <p:nvPr/>
+        </p:nvPicPr>
+        <p:blipFill>
+          <a:blip r:embed="rId2">
+            <a:extLst>
+              <a:ext uri="{28A0092B-C50C-407E-A947-70E740481C1C}">
+                <a14:useLocalDpi xmlns:a14="http://schemas.microsoft.com/office/drawing/2010/main" val="0"/>
+              </a:ext>
+            </a:extLst>
+          </a:blip>
+          <a:srcRect/>
+          <a:stretch>
+            <a:fillRect/>
+          </a:stretch>
+        </p:blipFill>
+        <p:spPr bwMode="auto">
+          <a:xfrm>
+            <a:off x="11083635" y="113794"/>
+            <a:ext cx="989157" cy="989157"/>
+          </a:xfrm>
+          <a:prstGeom prst="rect">
+            <a:avLst/>
+          </a:prstGeom>
+          <a:noFill/>
+          <a:extLst>
+            <a:ext uri="{909E8E84-426E-40DD-AFC4-6F175D3DCCD1}">
+              <a14:hiddenFill xmlns:a14="http://schemas.microsoft.com/office/drawing/2010/main">
+                <a:solidFill>
+                  <a:srgbClr val="FFFFFF"/>
+                </a:solidFill>
+              </a14:hiddenFill>
+            </a:ext>
+          </a:extLst>
+        </p:spPr>
+      </p:pic>
+    </p:spTree>
+    <p:extLst>
+      <p:ext uri="{BB962C8B-B14F-4D97-AF65-F5344CB8AC3E}">
+        <p14:creationId xmlns:p14="http://schemas.microsoft.com/office/powerpoint/2010/main" val="3017490905"/>
       </p:ext>
     </p:extLst>
   </p:cSld>
@@ -3438,15 +4556,23 @@
           <a:p>
             <a:r>
               <a:rPr lang="en-US" dirty="0" smtClean="0"/>
-              <a:t>In this project we demonstrate 6 types of attack using </a:t>
+              <a:t>The </a:t>
             </a:r>
             <a:r>
               <a:rPr lang="en-US" dirty="0" err="1" smtClean="0"/>
-              <a:t>VeReMi</a:t>
-            </a:r>
-            <a:r>
-              <a:rPr lang="en-US" dirty="0" smtClean="0"/>
-              <a:t> dataset</a:t>
+              <a:t>Veremi</a:t>
+            </a:r>
+            <a:r>
+              <a:rPr lang="en-US" dirty="0" smtClean="0"/>
+              <a:t> dataset demonstrate 5 </a:t>
+            </a:r>
+            <a:r>
+              <a:rPr lang="en-US" dirty="0" smtClean="0"/>
+              <a:t>types of </a:t>
+            </a:r>
+            <a:r>
+              <a:rPr lang="en-US" dirty="0" smtClean="0"/>
+              <a:t>attacks.</a:t>
             </a:r>
             <a:endParaRPr lang="en-US" dirty="0"/>
           </a:p>
@@ -3633,25 +4759,50 @@
           <a:p>
             <a:r>
               <a:rPr lang="en-US" dirty="0" smtClean="0"/>
-              <a:t>Multi-Layer Perceptron is used with 4 inputs and 6 outputs</a:t>
-            </a:r>
-          </a:p>
-          <a:p>
+              <a:t>LSTM is </a:t>
+            </a:r>
+            <a:r>
+              <a:rPr lang="en-US" dirty="0" smtClean="0"/>
+              <a:t>used with </a:t>
+            </a:r>
+            <a:r>
+              <a:rPr lang="en-US" dirty="0" smtClean="0"/>
+              <a:t>12 </a:t>
+            </a:r>
+            <a:r>
+              <a:rPr lang="en-US" dirty="0" smtClean="0"/>
+              <a:t>inputs and </a:t>
+            </a:r>
+            <a:r>
+              <a:rPr lang="en-US" dirty="0" smtClean="0"/>
+              <a:t>2 outputs</a:t>
+            </a:r>
             <a:endParaRPr lang="en-US" dirty="0"/>
           </a:p>
           <a:p>
             <a:r>
               <a:rPr lang="en-US" dirty="0" smtClean="0"/>
-              <a:t>Three Layers: input layer and One Hidden Layer with </a:t>
+              <a:t>LSTM Layer with 100 units </a:t>
+            </a:r>
+            <a:r>
+              <a:rPr lang="en-US" dirty="0" smtClean="0"/>
+              <a:t>with </a:t>
             </a:r>
             <a:r>
               <a:rPr lang="en-US" dirty="0" err="1" smtClean="0"/>
-              <a:t>relu</a:t>
+              <a:t>tanh</a:t>
             </a:r>
             <a:r>
               <a:rPr lang="en-US" dirty="0" smtClean="0"/>
               <a:t> activation</a:t>
             </a:r>
+          </a:p>
+          <a:p>
+            <a:r>
+              <a:rPr lang="en-US" dirty="0" smtClean="0"/>
+              <a:t>And dense layer with 2 outputs and sigmoid activation</a:t>
+            </a:r>
+            <a:endParaRPr lang="en-US" dirty="0" smtClean="0"/>
           </a:p>
           <a:p>
             <a:r>
@@ -3759,7 +4910,7 @@
     </p:spTree>
     <p:extLst>
       <p:ext uri="{BB962C8B-B14F-4D97-AF65-F5344CB8AC3E}">
-        <p14:creationId xmlns:p14="http://schemas.microsoft.com/office/powerpoint/2010/main" val="477389488"/>
+        <p14:creationId xmlns:p14="http://schemas.microsoft.com/office/powerpoint/2010/main" val="3462466875"/>
       </p:ext>
     </p:extLst>
   </p:cSld>
@@ -3803,7 +4954,7 @@
           <a:p>
             <a:r>
               <a:rPr lang="en-US" dirty="0" smtClean="0"/>
-              <a:t>Block Diagram</a:t>
+              <a:t>Proposed Approach</a:t>
             </a:r>
             <a:endParaRPr lang="en-US" dirty="0"/>
           </a:p>
@@ -3817,8 +4968,8 @@
         </p:nvSpPr>
         <p:spPr>
           <a:xfrm>
-            <a:off x="1060204" y="2636979"/>
-            <a:ext cx="1969323" cy="1543134"/>
+            <a:off x="1108364" y="2576945"/>
+            <a:ext cx="1773381" cy="1154546"/>
           </a:xfrm>
           <a:prstGeom prst="rect">
             <a:avLst/>
@@ -3847,7 +4998,11 @@
             <a:pPr algn="ctr"/>
             <a:r>
               <a:rPr lang="en-US" dirty="0" smtClean="0"/>
-              <a:t>Normalization</a:t>
+              <a:t>Input Dataset to </a:t>
+            </a:r>
+            <a:r>
+              <a:rPr lang="en-US" dirty="0" err="1" smtClean="0"/>
+              <a:t>Dataframe</a:t>
             </a:r>
             <a:endParaRPr lang="en-US" dirty="0"/>
           </a:p>
@@ -3855,18 +5010,14 @@
       </p:sp>
       <p:sp>
         <p:nvSpPr>
-          <p:cNvPr id="5" name="Content Placeholder 4"/>
-          <p:cNvSpPr>
-            <a:spLocks noGrp="1"/>
-          </p:cNvSpPr>
-          <p:nvPr>
-            <p:ph idx="1"/>
-          </p:nvPr>
+          <p:cNvPr id="5" name="Rectangle 4"/>
+          <p:cNvSpPr/>
+          <p:nvPr/>
         </p:nvSpPr>
         <p:spPr>
           <a:xfrm>
-            <a:off x="3602183" y="2627086"/>
-            <a:ext cx="2087417" cy="1553027"/>
+            <a:off x="3271405" y="2576945"/>
+            <a:ext cx="1808018" cy="1154546"/>
           </a:xfrm>
           <a:prstGeom prst="rect">
             <a:avLst/>
@@ -3892,16 +5043,14 @@
           <a:bodyPr rtlCol="0" anchor="ctr"/>
           <a:lstStyle/>
           <a:p>
-            <a:pPr marL="0" indent="0" algn="ctr">
-              <a:buNone/>
-            </a:pPr>
-            <a:r>
-              <a:rPr lang="en-US" dirty="0" smtClean="0"/>
-              <a:t>Label </a:t>
-            </a:r>
+            <a:pPr algn="ctr"/>
             <a:r>
               <a:rPr lang="en-US" dirty="0" err="1" smtClean="0"/>
-              <a:t>Binarization</a:t>
+              <a:t>CrossValidation</a:t>
+            </a:r>
+            <a:r>
+              <a:rPr lang="en-US" dirty="0" smtClean="0"/>
+              <a:t> to split dataset into train and test</a:t>
             </a:r>
             <a:endParaRPr lang="en-US" dirty="0"/>
           </a:p>
@@ -3915,8 +5064,8 @@
         </p:nvSpPr>
         <p:spPr>
           <a:xfrm>
-            <a:off x="6262257" y="2636979"/>
-            <a:ext cx="1783278" cy="1529938"/>
+            <a:off x="5469083" y="2576945"/>
+            <a:ext cx="1773381" cy="1154546"/>
           </a:xfrm>
           <a:prstGeom prst="rect">
             <a:avLst/>
@@ -3945,7 +5094,7 @@
             <a:pPr algn="ctr"/>
             <a:r>
               <a:rPr lang="en-US" dirty="0" smtClean="0"/>
-              <a:t>MLP</a:t>
+              <a:t>One Hot Encode  for Labels</a:t>
             </a:r>
             <a:endParaRPr lang="en-US" dirty="0"/>
           </a:p>
@@ -3959,8 +5108,8 @@
         </p:nvSpPr>
         <p:spPr>
           <a:xfrm>
-            <a:off x="8618192" y="2625434"/>
-            <a:ext cx="2264229" cy="1553028"/>
+            <a:off x="7797802" y="2576945"/>
+            <a:ext cx="1773381" cy="1154546"/>
           </a:xfrm>
           <a:prstGeom prst="rect">
             <a:avLst/>
@@ -3989,24 +5138,198 @@
             <a:pPr algn="ctr"/>
             <a:r>
               <a:rPr lang="en-US" dirty="0" smtClean="0"/>
-              <a:t>evaluation</a:t>
+              <a:t>Define LSTM Model Architecture</a:t>
             </a:r>
             <a:endParaRPr lang="en-US" dirty="0"/>
           </a:p>
         </p:txBody>
       </p:sp>
+      <p:sp>
+        <p:nvSpPr>
+          <p:cNvPr id="10" name="Rectangle 9"/>
+          <p:cNvSpPr/>
+          <p:nvPr/>
+        </p:nvSpPr>
+        <p:spPr>
+          <a:xfrm>
+            <a:off x="7797802" y="4308763"/>
+            <a:ext cx="1773381" cy="1154546"/>
+          </a:xfrm>
+          <a:prstGeom prst="rect">
+            <a:avLst/>
+          </a:prstGeom>
+        </p:spPr>
+        <p:style>
+          <a:lnRef idx="2">
+            <a:schemeClr val="accent1">
+              <a:shade val="50000"/>
+            </a:schemeClr>
+          </a:lnRef>
+          <a:fillRef idx="1">
+            <a:schemeClr val="accent1"/>
+          </a:fillRef>
+          <a:effectRef idx="0">
+            <a:schemeClr val="accent1"/>
+          </a:effectRef>
+          <a:fontRef idx="minor">
+            <a:schemeClr val="lt1"/>
+          </a:fontRef>
+        </p:style>
+        <p:txBody>
+          <a:bodyPr rtlCol="0" anchor="ctr"/>
+          <a:lstStyle/>
+          <a:p>
+            <a:pPr algn="ctr"/>
+            <a:r>
+              <a:rPr lang="en-US" dirty="0" smtClean="0"/>
+              <a:t>Train Model</a:t>
+            </a:r>
+            <a:endParaRPr lang="en-US" dirty="0"/>
+          </a:p>
+        </p:txBody>
+      </p:sp>
+      <p:sp>
+        <p:nvSpPr>
+          <p:cNvPr id="11" name="Rectangle 10"/>
+          <p:cNvSpPr/>
+          <p:nvPr/>
+        </p:nvSpPr>
+        <p:spPr>
+          <a:xfrm>
+            <a:off x="5469083" y="4308763"/>
+            <a:ext cx="1773381" cy="1154546"/>
+          </a:xfrm>
+          <a:prstGeom prst="rect">
+            <a:avLst/>
+          </a:prstGeom>
+        </p:spPr>
+        <p:style>
+          <a:lnRef idx="2">
+            <a:schemeClr val="accent1">
+              <a:shade val="50000"/>
+            </a:schemeClr>
+          </a:lnRef>
+          <a:fillRef idx="1">
+            <a:schemeClr val="accent1"/>
+          </a:fillRef>
+          <a:effectRef idx="0">
+            <a:schemeClr val="accent1"/>
+          </a:effectRef>
+          <a:fontRef idx="minor">
+            <a:schemeClr val="lt1"/>
+          </a:fontRef>
+        </p:style>
+        <p:txBody>
+          <a:bodyPr rtlCol="0" anchor="ctr"/>
+          <a:lstStyle/>
+          <a:p>
+            <a:pPr algn="ctr"/>
+            <a:r>
+              <a:rPr lang="en-US" dirty="0" smtClean="0"/>
+              <a:t>Test &amp; evaluate  Model</a:t>
+            </a:r>
+            <a:endParaRPr lang="en-US" dirty="0"/>
+          </a:p>
+        </p:txBody>
+      </p:sp>
+      <p:sp>
+        <p:nvSpPr>
+          <p:cNvPr id="13" name="Rectangle 12"/>
+          <p:cNvSpPr/>
+          <p:nvPr/>
+        </p:nvSpPr>
+        <p:spPr>
+          <a:xfrm>
+            <a:off x="3140364" y="4308763"/>
+            <a:ext cx="1773381" cy="1154546"/>
+          </a:xfrm>
+          <a:prstGeom prst="rect">
+            <a:avLst/>
+          </a:prstGeom>
+        </p:spPr>
+        <p:style>
+          <a:lnRef idx="2">
+            <a:schemeClr val="accent1">
+              <a:shade val="50000"/>
+            </a:schemeClr>
+          </a:lnRef>
+          <a:fillRef idx="1">
+            <a:schemeClr val="accent1"/>
+          </a:fillRef>
+          <a:effectRef idx="0">
+            <a:schemeClr val="accent1"/>
+          </a:effectRef>
+          <a:fontRef idx="minor">
+            <a:schemeClr val="lt1"/>
+          </a:fontRef>
+        </p:style>
+        <p:txBody>
+          <a:bodyPr rtlCol="0" anchor="ctr"/>
+          <a:lstStyle/>
+          <a:p>
+            <a:pPr algn="ctr"/>
+            <a:r>
+              <a:rPr lang="en-US" dirty="0" smtClean="0"/>
+              <a:t>Convert Model to C/C++ Array</a:t>
+            </a:r>
+            <a:endParaRPr lang="en-US" dirty="0"/>
+          </a:p>
+        </p:txBody>
+      </p:sp>
+      <p:pic>
+        <p:nvPicPr>
+          <p:cNvPr id="14" name="Picture 2" descr="ASU | Home"/>
+          <p:cNvPicPr>
+            <a:picLocks noChangeAspect="1" noChangeArrowheads="1"/>
+          </p:cNvPicPr>
+          <p:nvPr/>
+        </p:nvPicPr>
+        <p:blipFill>
+          <a:blip r:embed="rId2">
+            <a:extLst>
+              <a:ext uri="{28A0092B-C50C-407E-A947-70E740481C1C}">
+                <a14:useLocalDpi xmlns:a14="http://schemas.microsoft.com/office/drawing/2010/main" val="0"/>
+              </a:ext>
+            </a:extLst>
+          </a:blip>
+          <a:srcRect/>
+          <a:stretch>
+            <a:fillRect/>
+          </a:stretch>
+        </p:blipFill>
+        <p:spPr bwMode="auto">
+          <a:xfrm>
+            <a:off x="11083635" y="113794"/>
+            <a:ext cx="989157" cy="989157"/>
+          </a:xfrm>
+          <a:prstGeom prst="rect">
+            <a:avLst/>
+          </a:prstGeom>
+          <a:noFill/>
+          <a:extLst>
+            <a:ext uri="{909E8E84-426E-40DD-AFC4-6F175D3DCCD1}">
+              <a14:hiddenFill xmlns:a14="http://schemas.microsoft.com/office/drawing/2010/main">
+                <a:solidFill>
+                  <a:srgbClr val="FFFFFF"/>
+                </a:solidFill>
+              </a14:hiddenFill>
+            </a:ext>
+          </a:extLst>
+        </p:spPr>
+      </p:pic>
       <p:cxnSp>
         <p:nvCxnSpPr>
-          <p:cNvPr id="10" name="Straight Arrow Connector 9"/>
+          <p:cNvPr id="16" name="Straight Arrow Connector 15"/>
           <p:cNvCxnSpPr>
-            <a:endCxn id="4" idx="1"/>
+            <a:stCxn id="4" idx="3"/>
+            <a:endCxn id="5" idx="1"/>
           </p:cNvCxnSpPr>
           <p:nvPr/>
         </p:nvCxnSpPr>
         <p:spPr>
           <a:xfrm>
-            <a:off x="100935" y="3408546"/>
-            <a:ext cx="959269" cy="0"/>
+            <a:off x="2881745" y="3154218"/>
+            <a:ext cx="389660" cy="0"/>
           </a:xfrm>
           <a:prstGeom prst="straightConnector1">
             <a:avLst/>
@@ -4032,17 +5355,14 @@
       </p:cxnSp>
       <p:cxnSp>
         <p:nvCxnSpPr>
-          <p:cNvPr id="12" name="Straight Arrow Connector 11"/>
-          <p:cNvCxnSpPr>
-            <a:stCxn id="4" idx="3"/>
-            <a:endCxn id="5" idx="1"/>
-          </p:cNvCxnSpPr>
+          <p:cNvPr id="17" name="Straight Arrow Connector 16"/>
+          <p:cNvCxnSpPr/>
           <p:nvPr/>
         </p:nvCxnSpPr>
         <p:spPr>
-          <a:xfrm flipV="1">
-            <a:off x="3029527" y="3403600"/>
-            <a:ext cx="572656" cy="4946"/>
+          <a:xfrm>
+            <a:off x="5079423" y="3154218"/>
+            <a:ext cx="389660" cy="0"/>
           </a:xfrm>
           <a:prstGeom prst="straightConnector1">
             <a:avLst/>
@@ -4070,14 +5390,14 @@
         <p:nvCxnSpPr>
           <p:cNvPr id="18" name="Straight Arrow Connector 17"/>
           <p:cNvCxnSpPr>
-            <a:stCxn id="5" idx="3"/>
+            <a:endCxn id="8" idx="1"/>
           </p:cNvCxnSpPr>
           <p:nvPr/>
         </p:nvCxnSpPr>
         <p:spPr>
           <a:xfrm>
-            <a:off x="5689600" y="3403600"/>
-            <a:ext cx="600363" cy="9892"/>
+            <a:off x="7242464" y="3154218"/>
+            <a:ext cx="555338" cy="0"/>
           </a:xfrm>
           <a:prstGeom prst="straightConnector1">
             <a:avLst/>
@@ -4103,17 +5423,17 @@
       </p:cxnSp>
       <p:cxnSp>
         <p:nvCxnSpPr>
-          <p:cNvPr id="19" name="Straight Arrow Connector 18"/>
+          <p:cNvPr id="20" name="Straight Arrow Connector 19"/>
           <p:cNvCxnSpPr>
-            <a:stCxn id="6" idx="3"/>
-            <a:endCxn id="8" idx="1"/>
+            <a:stCxn id="8" idx="2"/>
+            <a:endCxn id="10" idx="0"/>
           </p:cNvCxnSpPr>
           <p:nvPr/>
         </p:nvCxnSpPr>
         <p:spPr>
           <a:xfrm>
-            <a:off x="8045535" y="3401948"/>
-            <a:ext cx="572657" cy="0"/>
+            <a:off x="8684493" y="3731491"/>
+            <a:ext cx="0" cy="577272"/>
           </a:xfrm>
           <a:prstGeom prst="straightConnector1">
             <a:avLst/>
@@ -4137,81 +5457,82 @@
           </a:fontRef>
         </p:style>
       </p:cxnSp>
-      <p:sp>
-        <p:nvSpPr>
-          <p:cNvPr id="3" name="TextBox 2"/>
-          <p:cNvSpPr txBox="1"/>
+      <p:cxnSp>
+        <p:nvCxnSpPr>
+          <p:cNvPr id="24" name="Straight Arrow Connector 23"/>
+          <p:cNvCxnSpPr>
+            <a:stCxn id="10" idx="1"/>
+            <a:endCxn id="11" idx="3"/>
+          </p:cNvCxnSpPr>
           <p:nvPr/>
-        </p:nvSpPr>
+        </p:nvCxnSpPr>
         <p:spPr>
-          <a:xfrm>
-            <a:off x="147550" y="3032616"/>
-            <a:ext cx="679994" cy="369332"/>
-          </a:xfrm>
-          <a:prstGeom prst="rect">
+          <a:xfrm flipH="1">
+            <a:off x="7242464" y="4886036"/>
+            <a:ext cx="555338" cy="0"/>
+          </a:xfrm>
+          <a:prstGeom prst="straightConnector1">
             <a:avLst/>
           </a:prstGeom>
-          <a:noFill/>
-        </p:spPr>
-        <p:txBody>
-          <a:bodyPr wrap="none" rtlCol="0">
-            <a:spAutoFit/>
-          </a:bodyPr>
-          <a:lstStyle/>
-          <a:p>
-            <a:r>
-              <a:rPr lang="en-US" dirty="0" smtClean="0"/>
-              <a:t>input</a:t>
-            </a:r>
-            <a:endParaRPr lang="en-US" dirty="0"/>
-          </a:p>
-        </p:txBody>
-      </p:sp>
-      <p:pic>
-        <p:nvPicPr>
-          <p:cNvPr id="13" name="Picture 2" descr="ASU | Home"/>
-          <p:cNvPicPr>
-            <a:picLocks noChangeAspect="1" noChangeArrowheads="1"/>
-          </p:cNvPicPr>
+          <a:ln>
+            <a:tailEnd type="triangle"/>
+          </a:ln>
+        </p:spPr>
+        <p:style>
+          <a:lnRef idx="1">
+            <a:schemeClr val="accent1"/>
+          </a:lnRef>
+          <a:fillRef idx="0">
+            <a:schemeClr val="accent1"/>
+          </a:fillRef>
+          <a:effectRef idx="0">
+            <a:schemeClr val="accent1"/>
+          </a:effectRef>
+          <a:fontRef idx="minor">
+            <a:schemeClr val="tx1"/>
+          </a:fontRef>
+        </p:style>
+      </p:cxnSp>
+      <p:cxnSp>
+        <p:nvCxnSpPr>
+          <p:cNvPr id="28" name="Straight Arrow Connector 27"/>
+          <p:cNvCxnSpPr>
+            <a:stCxn id="11" idx="1"/>
+            <a:endCxn id="13" idx="3"/>
+          </p:cNvCxnSpPr>
           <p:nvPr/>
-        </p:nvPicPr>
-        <p:blipFill>
-          <a:blip r:embed="rId2">
-            <a:extLst>
-              <a:ext uri="{28A0092B-C50C-407E-A947-70E740481C1C}">
-                <a14:useLocalDpi xmlns:a14="http://schemas.microsoft.com/office/drawing/2010/main" val="0"/>
-              </a:ext>
-            </a:extLst>
-          </a:blip>
-          <a:srcRect/>
-          <a:stretch>
-            <a:fillRect/>
-          </a:stretch>
-        </p:blipFill>
-        <p:spPr bwMode="auto">
-          <a:xfrm>
-            <a:off x="11083635" y="113794"/>
-            <a:ext cx="989157" cy="989157"/>
-          </a:xfrm>
-          <a:prstGeom prst="rect">
+        </p:nvCxnSpPr>
+        <p:spPr>
+          <a:xfrm flipH="1">
+            <a:off x="4913745" y="4886036"/>
+            <a:ext cx="555338" cy="0"/>
+          </a:xfrm>
+          <a:prstGeom prst="straightConnector1">
             <a:avLst/>
           </a:prstGeom>
-          <a:noFill/>
-          <a:extLst>
-            <a:ext uri="{909E8E84-426E-40DD-AFC4-6F175D3DCCD1}">
-              <a14:hiddenFill xmlns:a14="http://schemas.microsoft.com/office/drawing/2010/main">
-                <a:solidFill>
-                  <a:srgbClr val="FFFFFF"/>
-                </a:solidFill>
-              </a14:hiddenFill>
-            </a:ext>
-          </a:extLst>
-        </p:spPr>
-      </p:pic>
+          <a:ln>
+            <a:tailEnd type="triangle"/>
+          </a:ln>
+        </p:spPr>
+        <p:style>
+          <a:lnRef idx="1">
+            <a:schemeClr val="accent1"/>
+          </a:lnRef>
+          <a:fillRef idx="0">
+            <a:schemeClr val="accent1"/>
+          </a:fillRef>
+          <a:effectRef idx="0">
+            <a:schemeClr val="accent1"/>
+          </a:effectRef>
+          <a:fontRef idx="minor">
+            <a:schemeClr val="tx1"/>
+          </a:fontRef>
+        </p:style>
+      </p:cxnSp>
     </p:spTree>
     <p:extLst>
       <p:ext uri="{BB962C8B-B14F-4D97-AF65-F5344CB8AC3E}">
-        <p14:creationId xmlns:p14="http://schemas.microsoft.com/office/powerpoint/2010/main" val="1541080964"/>
+        <p14:creationId xmlns:p14="http://schemas.microsoft.com/office/powerpoint/2010/main" val="3109167803"/>
       </p:ext>
     </p:extLst>
   </p:cSld>
@@ -4255,127 +5576,40 @@
           <a:p>
             <a:r>
               <a:rPr lang="en-US" dirty="0" smtClean="0"/>
-              <a:t>Results</a:t>
-            </a:r>
-            <a:endParaRPr lang="en-US" dirty="0"/>
-          </a:p>
-        </p:txBody>
-      </p:sp>
-      <p:sp>
-        <p:nvSpPr>
-          <p:cNvPr id="3" name="Content Placeholder 2"/>
-          <p:cNvSpPr>
-            <a:spLocks noGrp="1"/>
-          </p:cNvSpPr>
-          <p:nvPr>
-            <p:ph idx="1"/>
-          </p:nvPr>
-        </p:nvSpPr>
-        <p:spPr/>
-        <p:txBody>
-          <a:bodyPr/>
-          <a:lstStyle/>
-          <a:p>
-            <a:r>
-              <a:rPr lang="en-US" dirty="0" smtClean="0"/>
-              <a:t>100 epochs</a:t>
-            </a:r>
-          </a:p>
-          <a:p>
-            <a:r>
-              <a:rPr lang="en-US" dirty="0" smtClean="0"/>
-              <a:t>Learning Rate 1e^-2</a:t>
-            </a:r>
-          </a:p>
-          <a:p>
-            <a:r>
-              <a:rPr lang="en-US" dirty="0" smtClean="0"/>
-              <a:t>Minimum Loss reached: 0.0704</a:t>
-            </a:r>
-          </a:p>
-          <a:p>
+              <a:t>LSTM Architecture</a:t>
+            </a:r>
             <a:endParaRPr lang="en-US" dirty="0"/>
           </a:p>
         </p:txBody>
       </p:sp>
       <p:pic>
         <p:nvPicPr>
-          <p:cNvPr id="6" name="Picture 5" descr="C:\Users\Mohamed\AppData\Local\Microsoft\Windows\INetCache\Content.MSO\178D8623.tmp"/>
-          <p:cNvPicPr/>
+          <p:cNvPr id="4" name="Picture 3"/>
+          <p:cNvPicPr>
+            <a:picLocks noChangeAspect="1"/>
+          </p:cNvPicPr>
           <p:nvPr/>
         </p:nvPicPr>
         <p:blipFill>
-          <a:blip r:embed="rId2">
-            <a:extLst>
-              <a:ext uri="{28A0092B-C50C-407E-A947-70E740481C1C}">
-                <a14:useLocalDpi xmlns:a14="http://schemas.microsoft.com/office/drawing/2010/main" val="0"/>
-              </a:ext>
-            </a:extLst>
-          </a:blip>
-          <a:srcRect/>
+          <a:blip r:embed="rId2"/>
           <a:stretch>
             <a:fillRect/>
           </a:stretch>
         </p:blipFill>
-        <p:spPr bwMode="auto">
-          <a:xfrm>
-            <a:off x="6470216" y="1690688"/>
-            <a:ext cx="5070475" cy="3533140"/>
+        <p:spPr>
+          <a:xfrm>
+            <a:off x="838200" y="1690688"/>
+            <a:ext cx="7591425" cy="3981450"/>
           </a:xfrm>
           <a:prstGeom prst="rect">
             <a:avLst/>
           </a:prstGeom>
-          <a:noFill/>
-          <a:ln>
-            <a:noFill/>
-          </a:ln>
-        </p:spPr>
-      </p:pic>
-      <p:pic>
-        <p:nvPicPr>
-          <p:cNvPr id="5" name="Picture 2" descr="ASU | Home"/>
-          <p:cNvPicPr>
-            <a:picLocks noChangeAspect="1" noChangeArrowheads="1"/>
-          </p:cNvPicPr>
-          <p:nvPr/>
-        </p:nvPicPr>
-        <p:blipFill>
-          <a:blip r:embed="rId3">
-            <a:extLst>
-              <a:ext uri="{28A0092B-C50C-407E-A947-70E740481C1C}">
-                <a14:useLocalDpi xmlns:a14="http://schemas.microsoft.com/office/drawing/2010/main" val="0"/>
-              </a:ext>
-            </a:extLst>
-          </a:blip>
-          <a:srcRect/>
-          <a:stretch>
-            <a:fillRect/>
-          </a:stretch>
-        </p:blipFill>
-        <p:spPr bwMode="auto">
-          <a:xfrm>
-            <a:off x="11083635" y="113794"/>
-            <a:ext cx="989157" cy="989157"/>
-          </a:xfrm>
-          <a:prstGeom prst="rect">
-            <a:avLst/>
-          </a:prstGeom>
-          <a:noFill/>
-          <a:extLst>
-            <a:ext uri="{909E8E84-426E-40DD-AFC4-6F175D3DCCD1}">
-              <a14:hiddenFill xmlns:a14="http://schemas.microsoft.com/office/drawing/2010/main">
-                <a:solidFill>
-                  <a:srgbClr val="FFFFFF"/>
-                </a:solidFill>
-              </a14:hiddenFill>
-            </a:ext>
-          </a:extLst>
         </p:spPr>
       </p:pic>
     </p:spTree>
     <p:extLst>
       <p:ext uri="{BB962C8B-B14F-4D97-AF65-F5344CB8AC3E}">
-        <p14:creationId xmlns:p14="http://schemas.microsoft.com/office/powerpoint/2010/main" val="647248906"/>
+        <p14:creationId xmlns:p14="http://schemas.microsoft.com/office/powerpoint/2010/main" val="3257275879"/>
       </p:ext>
     </p:extLst>
   </p:cSld>
@@ -4419,15 +5653,7 @@
           <a:p>
             <a:r>
               <a:rPr lang="en-US" dirty="0" smtClean="0"/>
-              <a:t>Results </a:t>
-            </a:r>
-            <a:r>
-              <a:rPr lang="en-US" dirty="0" err="1" smtClean="0"/>
-              <a:t>Cont</a:t>
-            </a:r>
-            <a:r>
-              <a:rPr lang="en-US" dirty="0" smtClean="0"/>
-              <a:t>’</a:t>
+              <a:t>Why LSTM?</a:t>
             </a:r>
             <a:endParaRPr lang="en-US" dirty="0"/>
           </a:p>
@@ -4435,15 +5661,192 @@
       </p:sp>
       <p:sp>
         <p:nvSpPr>
-          <p:cNvPr id="4" name="AutoShape 2" descr="data:image/png;base64,iVBORw0KGgoAAAANSUhEUgAAAYkAAAEWCAYAAACT7WsrAAAABHNCSVQICAgIfAhkiAAAAAlwSFlzAAALEgAACxIB0t1+/AAAADh0RVh0U29mdHdhcmUAbWF0cGxvdGxpYiB2ZXJzaW9uMy4yLjIsIGh0dHA6Ly9tYXRwbG90bGliLm9yZy+WH4yJAAAbxklEQVR4nO3de5hddX3v8feHxEArFMFEDxAgCNQ2Wgo2RcVaeBQRlILt0QqIpZaWYyunWrUVitWK0lbr/ZRWaEvVykWx2qYYi4pAtRRNVBolGEkQIbGUcBW8AEm+54+1BteemZ3sSWZnkpn363n2k7V+67J/a6/J/uz1+61LqgpJksaz01RXQJK0/TIkJEl9GRKSpL4MCUlSX4aEJKkvQ0KS1JchoW0uyVFJ1gww361Jjt4WdZpukjwxyb8neSDJu6a6PuD+3FEZEtKQJPnTJJXk1ztls9uyBUN++zOAu4CfqqrXDfm9NI0ZEtJw3QO8Jcmsbfy++wMryqtltZUMCW2RJG9I8vFRZe9L8v52+BVJbmqbO25J8n+28v12TvLeJN9tX+9NsnM7bW6SK5Lcl+SeJF9IslOnnmvbeqxM8txx1v30JHd0v8iT/GqS5e3w4UmWJflekv9J8u4JVP3fgIeBU/ts1+5JPpxkXZLvJHnjSN0H+EyOSLI0yf3tv0e05R8ETgP+KMmD4zXxtJ/nO5Pc1m7TB5L8RDvtqCRrkvxxkrvaZqKXDVrnJL/T2fcrkjyt89aHJlne1vmjSXZpl+m7DzXFqsqXrwm/aH6p/gDYrR2fBfw38Ix2/IXAgUCAI9t5n9ZOOwpYM8B73Aoc3Q6fC1wPPAGYB1wHvLWd9ufAB4DHtK9nt+/7ZOB2YO92vgXAgX3eazXwvM745cBZ7fB/Ai9vh3cd2cYB6v+nwEeAE4Bb2rrNBgpY0M7zYeBfgN3a+n0LOH2Ade8J3Au8vF3nye3449vpHwTetonl3wMsbtezG/CvwJ939s964N3Azu3++z7w5M3VGXgJsBb4xXYfHATs39mfXwb2bt/3JuCVm9qHU/137qs8ktCWqarvAF8FfrUteg7wg6q6vp3+qapaXY1rgc/Q/MffUi8Dzq2qO6tqHfAWmi9IgEeAvWi+jB6pqi9U882zgeZLbmGSx1TVrVW1us/6L6X5oiXJbsAL2rKR9R+UZG5VPTiyjYOqqsXAOuC3u+XtkctJwNlV9UBV3Qq8q7Ndm/JC4Oaq+seqWl9VlwLfBH5lcwsmCU2fxR9U1T1V9QDwZ21duv6kqh5q99+ngF8foM6/Dbyjqpa2+35V+7cy4v1V9d2quocmmA5ty/vtQ00xQ0Jb4xLaL1bglHYcgCTHJbm+bTq4j+ZLd+5WvNfeQPfL5jttGcBfAquAz7RNW2cBVNUq4DU0v+jvTHJZkr0Z3yXAr7VNWL8GfLXz5XY68NPAN9tmneO3oP5vBM4BdumUzaX51Tx6u/YZYH2jP4+JLDsP+EngK23zzn00zWLzOvPcW1XfH7XuvQeo8740R2X93NEZ/gHNkRn02YeaeoaEtsblwFFJ5tMcUVwCTXs38E/AO4EnVtXjgCU0zQ9b6rs0TVwj9mvLaH/Rvq6qnkTTtPPakb6Hqrqkqn6pXbaAt4+38qpaQfNldxyjAq+qbq6qk2maut4OfDzJYydS+ar6LM2X4O91iu+i+QU9ervWDrDK0Z/HRJa9C/gh8JSqelz72r2qdu3Ms8eobRz5vDdX59tpmhknZFP7UFPLkNAWa5t9rgH+Afh2Vd3UTppD08yzDlif5DjgmK18u0uBNyaZl2Qu8Caa9n6SHJ/koLYZ5X6aZqaNSZ6c5DltaP2I5otx4ybe4xLg1cAv0wQg7fpPTTKvqjYC97XFm1pPP+cAfzQyUlUbgI8B5yXZLcn+wGtHtmszlgA/neSUNKfVvhRYCFyxuQXb7fhb4D1JngCQZJ8kzx8161uSzEnybOB44PIB6vx3wOuT/EIaB7XzbFK/fTjA56AhMyS0tS4Bjqb3l/cDwO/TfJncS/PLfPFWvs/bgGXAcuDrNP0hb2unHQx8DniQppP5r6vqapqg+guaX7930BwJnL2J97iUppP281V1V6f8WODGJA8C7wNOqqofArRnDw3U11JV/0HTcdv1f2k6hW8BvkjzOV7UrvuPk3y6z7rupvnifh1wN034HD+q3pvyBpojm+uTfI/m83tyZ/odNPvuu8DFNB3M39xcnavqcuC8tuwB4J9pOqk3p98+1BSLfUOSupIcBXykquZPdV009TySkCT1NXuqK6CZK8l+wIo+kxdW1W3bsj6SxrK5SZLUl81NkqS+plVz09y5c2vBggVTXQ1J2qF85Stfuauq5o03bVqFxIIFC1i2bNlUV0OSdihJRl+9/yibmyRJfRkSkqS+DAlJUl+GhCSpL0NCktTXjA+JD1y7mutW994T7brVd/GBazd1S3xJmhlmfEgcMn93zrzka48GxXWr7+LMS77GIfN3n+KaSdLUm1bXSWyJIw6cy3kveiq/9cGl/O+nzefT37iDvzrlMI44cGseoiZJ08OMP5IAOGDeY/nRIxu5+Eu3cerT9zMgJKllSAD/dXvzsLEXPPV/8ZEv3Tamj0KSZqoZHxLXrb6LP1vSPHXz+J/fm7865bCePgpJmslmfEgsX3M/f/yChY+OH3HgXP7qlMNYvub+KayVJG0fZnzH9SuPPJCVdzwAwMijNY44cK79EpKERxIAJFNdA0naPhkSkqS+DImOwke5SlKXIQHY2iRJ4zMkOsoDCUnqYUhgx7Uk9WNISJL6MiQ6bG2SpF6GBGDXtSSNz5DoKHuuJamHIYEd15LUjyEhSerLkJAk9WVIYLe1JPVjSHTYby1JvQwJIPZcS9K4DAlJUl9DD4kkxyZZmWRVkrPGmf7KJF9PckOSLyZZ2Jl2drvcyiTPH3ZdvVW4JPUaakgkmQWcDxwHLARO7oZA65Kq+rmqOhR4B/DudtmFwEnAU4Bjgb9u1zf59RzGSiVpGhj2kcThwKqquqWqHgYuA07szlBV3+uMPpYf30LpROCyqnqoqr4NrGrXNzR2XEtSr9lDXv8+wO2d8TXA00fPlORVwGuBOcBzOsteP2rZfcZZ9gzgDID99ttviyppv7UkjW+76LiuqvOr6kDgDcAbJ7jshVW1qKoWzZs3bzgVlKQZatghsRbYtzM+vy3r5zLgRVu47FazuUmSeg07JJYCByc5IMkcmo7oxd0ZkhzcGX0hcHM7vBg4KcnOSQ4ADga+PIxKxq5rSRrXUPskqmp9kjOBK4FZwEVVdWOSc4FlVbUYODPJ0cAjwL3Aae2yNyb5GLACWA+8qqo2DLW+w1y5JO2Aht1xTVUtAZaMKntTZ/jVm1j2POC84dWuYce1JI1vu+i4liRtnwyJDp9MJ0m9DAlJUl+GRIfHEZLUy5DAjmtJ6seQkCT1ZUh02d4kST0MCXwynST1Y0h0+NAhSeplSEiS+jIk8Ml0ktSPIdHhBdeS1MuQwOskJKkfQ6LDAwlJ6mVISJL6MiTwyXSS1I8h0WHHtST1MiSw41qS+jEkJEl9GRId3pZDknoZEnjFtST1Y0h02HEtSb0MCfBQQpL6MCQkSX0ZEh22NklSL0MCr7iWpH4MiS57riWphyGBV1xLUj9DD4kkxyZZmWRVkrPGmf7aJCuSLE9yVZL9O9M2JLmhfS0edl0lSb1mD3PlSWYB5wPPA9YAS5MsrqoVndm+Biyqqh8k+V3gHcBL22k/rKpDh1nHLhubJKnXsI8kDgdWVdUtVfUwcBlwYneGqrq6qn7Qjl4PzB9yncawtUmSxjfskNgHuL0zvqYt6+d04NOd8V2SLEtyfZIXjbdAkjPaeZatW7duqyprv7Uk9Rpqc9NEJDkVWAQc2Snev6rWJnkS8PkkX6+q1d3lqupC4EKARYsWbdHXfOy5lqRxDftIYi2wb2d8flvWI8nRwDnACVX10Eh5Va1t/70FuAY4bJiVlST1GnZILAUOTnJAkjnASUDPWUpJDgMuoAmIOzvleyTZuR2eCzwL6HZ4T7qyvUmSegy1uamq1ic5E7gSmAVcVFU3JjkXWFZVi4G/BHYFLm+bfW6rqhOAnwUuSLKRJsz+YtRZUZPGxiZJGt/Q+ySqagmwZFTZmzrDR/dZ7jrg54Zbu1HvuS3fTJJ2AF5xjVdcS1I/hoQkqS9DosN+a0nqZUjgrcIlqR9DosMDCUnqZUhIkvoyJMALJSSpD0OiwyuuJamXIYHXSUhSP4aEJKkvQ0KS1Jchgf3WktSPIdFhv7Uk9TIk8Ml0ktSPIdFRXnMtST0GCokkL0myWzv8xiSfSPK04VZNkjTVBj2S+JOqeiDJLwFHA38P/M3wqrVt2dgkSeMbNCQ2tP++ELiwqj4FzBlOlaaOHdeS1GvQkFib5ALgpcCSJDtPYNntnv3WkjS+Qb/ofx24Enh+Vd0H7An84dBqNUU8kJCkXrMHnG8v4FNV9VCSo4BDgA8PrVaSpO3CoEcS/wRsSHIQcCGwL3DJ0Gq1jflkOkka36AhsbGq1gO/Bvy/qvpDmqOLacWOa0nqNWhIPJLkZOA3gCvasscMp0rbnh3XkjS+QUPiFcAzgfOq6ttJDgD+cXjVmhpecS1JvQYKiapaAbwe+HqSpwJrqurtQ62ZJGnKDXR2U3tG04eAW2kuUN43yWlV9e/Dq5okaaoNegrsu4BjqmolQJKfBi4FfmFYFZsKdlxLUq9B+yQeMxIQAFX1Ley4lqRpb9CQWJbk75Ic1b7+Flg2yIJJjk2yMsmqJGeNM/21SVYkWZ7kqiT7d6adluTm9nXagHWVJE2SQUPid4EVwO+3rxVt2SYlmQWcDxwHLAROTrJw1GxfAxZV1SHAx4F3tMvuCbwZeDpwOPDmJHsMWF9J0iQYqE+iqh4C3t2+JuJwYFVV3QKQ5DLgRJqQGVn31Z35rwdObYefD3y2qu5pl/0scCxNX8ik8oprSRrfJkMiydfZxH3v2l//m7IPcHtnfA3NkUE/pwOf3sSy+4xTxzOAMwD222+/zVRn08qea0nqsbkjieO3SS2AJKcCi4AjJ7JcVV1Icz8pFi1atEXf8nZcS9L4NhkSVfWdQVaS5D+r6pnjTFpLczPAEfPbstHLHw2cAxzZNm2NLHvUqGWvGaQ+kqTJMVkPDtqlT/lS4OAkBySZA5wELO7OkOQw4ALghKq6szPpSuCYJHu0HdbHtGVDY2uTJPUa9GK6zRn367Wq1ic5k+bLfRZwUVXdmORcYFlVLQb+EtgVuDxNu89tVXVCVd2T5K00QQNw7kgn9mSztUmSxjdZIdFXVS0Blowqe1Nn+OhNLHsRcNHwajfq/bbVG0nSDmKympt26B/jsedaksY1WSHx8klajyRpO7K56yQeYPxWmABVVT9FM/CNIdRtm7PjWpJ6be4U2N22VUWmko1NkjS+CXVcJ3kCndNdq+q2Sa/RFPLJdJLUa6A+iSQnJLkZ+DZwLc3Dhz69yYUkSTu8QTuu3wo8A/hWVR0APJfmZnzTgic3SdL4Bg2JR6rqbmCnJDu1d25dNMR6TQk7riWp16B9Evcl2RX4AnBxkjuB7w+vWtuW10lI0vgGPZK4GtgdeDXwb8Bq4FeGVamp4oGEJPUaNCRmA5+huQvrbsBH2+YnSdI0NlBIVNVbquopwKuAvYBrk3xuqDWTJE25id6W407gDuBu4AmTX50pZs+1JPUY9DqJ30tyDXAV8HjgdwZ4dOkOxb5rSRpr0LOb9gVeU1U3DLMyU83jCEnqNVBIVNXZw66IJGn7M1m3Ct/h2dokSWMZEh32W0tSL0Oi5VXXkjSWIdHhrcIlqZchIUnqy5Bo2dgkSWMZEh12XEtSL0OiZb+1JI1lSHR4ICFJvQwJSVJfhkQrdl1L0hiGRIcd15LUa+ghkeTYJCuTrEpy1jjTfznJV5OsT/LiUdM2JLmhfS0ebkWHunZJ2iENeqvwLZJkFnA+8DxgDbA0yeKqWtGZ7TbgN4HXj7OKH1bVocOsY5dXXEtSr6GGBHA4sKqqbgFIchlwIvBoSFTVre20jUOuiyRpgobd3LQPcHtnfE1bNqhdkixLcn2SF403Q5Iz2nmWrVu3bosramuTJI21vXdc719Vi4BTgPcmOXD0DFV1YVUtqqpF8+bN27p3s7VJknoMOyTW0jz6dMT8tmwgVbW2/fcW4BrgsMmsXJdXXEvSWMMOiaXAwUkOSDIHOAkY6CylJHsk2bkdngs8i05fxjB4ICFJvYYaElW1HjgTuBK4CfhYVd2Y5NwkJwAk+cUka4CXABckubFd/GeBZUn+C7ga+ItRZ0VJkoZs2Gc3UVVLgCWjyt7UGV5K0ww1ernrgJ8bdv1GeMW1JI21vXdcb1PlJdeS1MOQkCT1ZUi0Eu/dJEmjGRKSpL4MiZbd1pI0liHRYWuTJPUyJCRJfRkSrXhfDkkaw5Do8OwmSeplSLQ8jpCksQyJDp9MJ0m9DAlJUl+GxAjbmyRpDEOiw45rSeplSLQ8kJCksQwJSVJfhoQkqS9DouUV15I0liHR4ZPpJKmXIdHyQEKSxjIkOjyOkKRehoQkqS9DomVrkySNZUh02G8tSb0MiZanwErSWIZEh7cKl6RehoQkqS9DomVjkySNZUh02HEtSb2GHhJJjk2yMsmqJGeNM/2Xk3w1yfokLx417bQkN7ev04Zbz2GuXZJ2TEMNiSSzgPOB44CFwMlJFo6a7TbgN4FLRi27J/Bm4OnA4cCbk+wxzPp6ICFJvYZ9JHE4sKqqbqmqh4HLgBO7M1TVrVW1HNg4atnnA5+tqnuq6l7gs8CxQ66vJKlj2CGxD3B7Z3xNWzZpyyY5I8myJMvWrVu3xRW161qSxtrhO66r6sKqWlRVi+bNm7eV65qkSknSNDHskFgL7NsZn9+WDXvZCbPjWpLGGnZILAUOTnJAkjnAScDiAZe9EjgmyR5th/UxbdkQeSghSV1DDYmqWg+cSfPlfhPwsaq6Mcm5SU4ASPKLSdYALwEuSHJju+w9wFtpgmYpcG5bJknaRmYP+w2qagmwZFTZmzrDS2maksZb9iLgoqFWsGVrkySNtcN3XE8mO64lqZchIUnqy5BoJR5JSNJohoQkqS9DohW7riVpDEOiwyfTSVIvQ0KS1Jch0bLjWpLGMiQkSX0ZEi27rSVpLEOiw9YmSeplSEiS+jIkWknsuJakUYZ+F9jt3XPeeQ3rHnyIB3+0nn+5YS3/uvy7bNhYbNhoYgzTToHHzpnF+vaz3nXn2Ryy7+P44CsOn+qqSeqY8SHxzAP35OIvNY/SXr+xwHDYJjYWPPDQhkfH7/nBI1yzch0LzvrUFNZK2vHMmRV2nr3T0H5wzfiQOO9XDwF4NCgkaUfy8Ibi4Q29P7ieddDjJ2399knQBMWcWZ4EK2nHd84Lf4bfefaBk7Y+QwI455PLeXiDzUySdmyHL9hjUgMCDAnO+eRym5okTQtfvvVe/vYLqyd1nTO+T+I/V9/Dbrv8+GN4aP1Gz26StMM671PfBJi0I4oZHxKff/1RU12FGecD167mQ9fdyt3ff5jZgVmzduJHD29gfZXXqkgTNN7ZTf+x6m5DQjuuVx55IK88cnLbTSUNx4zvk5Ak9WdISJL6MiQkSX0ZEpKkvgwJSVJfqWl0zmGSdcB3tmIVc4G7Jqk6O4KZtr3gNs8UbvPE7F9V88abMK1CYmslWVZVi6a6HtvKTNtecJtnCrd58tjcJEnqy5CQJPVlSPS6cKorsI3NtO0Ft3mmcJsniX0SkqS+PJKQJPVlSEiS+jIkgCTHJlmZZFWSs6a6PpMlyb5Jrk6yIsmNSV7dlu+Z5LNJbm7/3aMtT5L3t5/D8iRPm9ot2DJJZiX5WpIr2vEDknyp3a6PJpnTlu/cjq9qpy+YynpvjSSPS/LxJN9MclOSZ07n/ZzkD9q/6W8kuTTJLtNxPye5KMmdSb7RKZvwfk1yWjv/zUlOm0gdZnxIJJkFnA8cBywETk6ycGprNWnWA6+rqoXAM4BXtdt2FnBVVR0MXNWOQ/MZHNy+zgD+ZttXeVK8GripM/524D1VdRBwL3B6W346cG9b/p52vh3V+4B/q6qfAX6eZvun5X5Osg/w+8CiqnoqMAs4iem5nz8IHDuqbEL7NcmewJuBpwOHA28eCZaBVNWMfgHPBK7sjJ8NnD3V9RrStv4L8DxgJbBXW7YXsLIdvgA4uTP/o/PtKC9gfvsf5znAFUBorkKdPXp/A1cCz2yHZ7fzZaq3YQu2eXfg26PrPl33M7APcDuwZ7vfrgCeP133M7AA+MaW7lfgZOCCTnnPfJt7zfgjCX78BzdiTVs2rbSH2IcBXwKeWFX/3U66A3hiOzwdPov3An8EbGzHHw/cV1Xr2/HuNj26ve30+9v5dzQHAOuAf2ib2f4uyWOZpvu5qtYC7wRuA/6bZr99hem/n0dMdL9u1f42JGaAJLsC/wS8pqq+151WzU+LaXEedJLjgTur6itTXZdtbDbwNOBvquow4Pv8uAkCmHb7eQ/gRJpw3Bt4LGObZGaEbbFfDQlYC+zbGZ/flk0LSR5DExAXV9Un2uL/SbJXO30v4M62fEf/LJ4FnJDkVuAymian9wGPSzLyqN7uNj26ve303YG7t2WFJ8kaYE1Vfakd/zhNaEzX/Xw08O2qWldVjwCfoNn3030/j5joft2q/W1IwFLg4PbMiDk0HWCLp7hOkyJJgL8Hbqqqd3cmLQZGznA4jaavYqT8N9qzJJ4B3N85rN3uVdXZVTW/qhbQ7MfPV9XLgKuBF7ezjd7ekc/hxe38O9yv7aq6A7g9yZPboucCK5im+5mmmekZSX6y/Rsf2d5pvZ87JrpfrwSOSbJHexR2TFs2mKnulNkeXsALgG8Bq4Fzpro+k7hdv0RzKLocuKF9vYCmPfYq4Gbgc8Ce7fyhOdNrNfB1mrNHpnw7tnDbjwKuaIefBHwZWAVcDuzclu/Sjq9qpz9pquu9Fdt7KLCs3df/DOwxnfcz8Bbgm8A3gH8Edp6O+xm4lKbf5RGaI8bTt2S/Ar/Vbv8q4BUTqYO35ZAk9WVzkySpL0NCktSXISFJ6suQkCT1ZUhIkvoyJKTtRJKjRu5cK20vDAlJUl+GhDRBSU5N8uUkNyS5oH1+xYNJ3tM+4+CqJPPaeQ9Ncn17f/9Pdu79f1CSzyX5ryRfTXJgu/pdO8+FuLi9oliaMoaENAFJfhZ4KfCsqjoU2AC8jOYmc8uq6inAtTT37wf4MPCGqjqE5irYkfKLgfOr6ueBI2iuqoXmTr2voXm2yZNo7kkkTZnZm59FUsdzgV8AlrY/8n+C5gZrG4GPtvN8BPhEkt2Bx1XVtW35h4DLk+wG7FNVnwSoqh8BtOv7clWtacdvoHmWwBeHv1nS+AwJaWICfKiqzu4pTP5k1Hxber+bhzrDG/D/qKaYzU3SxFwFvDjJE+DR5w3vT/N/aeQOpKcAX6yq+4F7kzy7LX85cG1VPQCsSfKidh07J/nJbboV0oD8lSJNQFWtSPJG4DNJdqK5O+eraB70c3g77U6afgtobuX8gTYEbgFe0Za/HLggybntOl6yDTdDGph3gZUmQZIHq2rXqa6HNNlsbpIk9eWRhCSpL48kJEl9GRKSpL4MCUlSX4aEJKkvQ0KS1Nf/BzAHh5CGEnosAAAAAElFTkSuQmCC"/>
-          <p:cNvSpPr>
-            <a:spLocks noGrp="1" noChangeAspect="1" noChangeArrowheads="1"/>
+          <p:cNvPr id="3" name="Content Placeholder 2"/>
+          <p:cNvSpPr>
+            <a:spLocks noGrp="1"/>
           </p:cNvSpPr>
           <p:nvPr>
             <p:ph idx="1"/>
           </p:nvPr>
         </p:nvSpPr>
+        <p:spPr>
+          <a:xfrm>
+            <a:off x="258617" y="1743074"/>
+            <a:ext cx="7015593" cy="4351338"/>
+          </a:xfrm>
+        </p:spPr>
+        <p:txBody>
+          <a:bodyPr/>
+          <a:lstStyle/>
+          <a:p>
+            <a:r>
+              <a:rPr lang="en-US" dirty="0" smtClean="0"/>
+              <a:t>Long short Term Memory Model</a:t>
+            </a:r>
+          </a:p>
+          <a:p>
+            <a:pPr marL="0" indent="0">
+              <a:buNone/>
+            </a:pPr>
+            <a:r>
+              <a:rPr lang="en-US" dirty="0" smtClean="0"/>
+              <a:t> </a:t>
+            </a:r>
+          </a:p>
+          <a:p>
+            <a:r>
+              <a:rPr lang="en-US" dirty="0" smtClean="0"/>
+              <a:t>To keep tracking the history we need long term memory</a:t>
+            </a:r>
+          </a:p>
+          <a:p>
+            <a:endParaRPr lang="en-US" dirty="0" smtClean="0"/>
+          </a:p>
+          <a:p>
+            <a:r>
+              <a:rPr lang="en-US" dirty="0" smtClean="0"/>
+              <a:t>RNN has the problem of vanishing gradient</a:t>
+            </a:r>
+            <a:endParaRPr lang="en-US" dirty="0"/>
+          </a:p>
+        </p:txBody>
+      </p:sp>
+      <p:grpSp>
+        <p:nvGrpSpPr>
+          <p:cNvPr id="4" name="Group 3">
+            <a:extLst>
+              <a:ext uri="{FF2B5EF4-FFF2-40B4-BE49-F238E27FC236}">
+                <a16:creationId xmlns:a16="http://schemas.microsoft.com/office/drawing/2014/main" id="{638144DE-095D-4C47-A6C5-8639AD1D8622}"/>
+              </a:ext>
+            </a:extLst>
+          </p:cNvPr>
+          <p:cNvGrpSpPr/>
+          <p:nvPr/>
+        </p:nvGrpSpPr>
+        <p:grpSpPr>
+          <a:xfrm>
+            <a:off x="7850908" y="1354282"/>
+            <a:ext cx="4119706" cy="5079134"/>
+            <a:chOff x="5398007" y="285750"/>
+            <a:chExt cx="5584317" cy="6086475"/>
+          </a:xfrm>
+        </p:grpSpPr>
+        <p:pic>
+          <p:nvPicPr>
+            <p:cNvPr id="5" name="Picture 4">
+              <a:extLst>
+                <a:ext uri="{FF2B5EF4-FFF2-40B4-BE49-F238E27FC236}">
+                  <a16:creationId xmlns:a16="http://schemas.microsoft.com/office/drawing/2014/main" id="{CD0B51EB-7C46-473C-ABAB-F960A9B9C4E0}"/>
+                </a:ext>
+              </a:extLst>
+            </p:cNvPr>
+            <p:cNvPicPr>
+              <a:picLocks noChangeAspect="1"/>
+            </p:cNvPicPr>
+            <p:nvPr/>
+          </p:nvPicPr>
+          <p:blipFill rotWithShape="1">
+            <a:blip r:embed="rId2">
+              <a:extLst>
+                <a:ext uri="{28A0092B-C50C-407E-A947-70E740481C1C}">
+                  <a14:useLocalDpi xmlns:a14="http://schemas.microsoft.com/office/drawing/2010/main" val="0"/>
+                </a:ext>
+              </a:extLst>
+            </a:blip>
+            <a:srcRect l="33370" r="33131"/>
+            <a:stretch/>
+          </p:blipFill>
+          <p:spPr>
+            <a:xfrm>
+              <a:off x="5398007" y="285750"/>
+              <a:ext cx="5584317" cy="6086475"/>
+            </a:xfrm>
+            <a:prstGeom prst="rect">
+              <a:avLst/>
+            </a:prstGeom>
+          </p:spPr>
+        </p:pic>
+        <p:sp>
+          <p:nvSpPr>
+            <p:cNvPr id="6" name="Rectangle 5">
+              <a:extLst>
+                <a:ext uri="{FF2B5EF4-FFF2-40B4-BE49-F238E27FC236}">
+                  <a16:creationId xmlns:a16="http://schemas.microsoft.com/office/drawing/2014/main" id="{66256D39-A64A-49D1-AD68-0DB6663CFF79}"/>
+                </a:ext>
+              </a:extLst>
+            </p:cNvPr>
+            <p:cNvSpPr/>
+            <p:nvPr/>
+          </p:nvSpPr>
+          <p:spPr>
+            <a:xfrm>
+              <a:off x="9991724" y="5486400"/>
+              <a:ext cx="990600" cy="885825"/>
+            </a:xfrm>
+            <a:prstGeom prst="rect">
+              <a:avLst/>
+            </a:prstGeom>
+            <a:solidFill>
+              <a:schemeClr val="bg1"/>
+            </a:solidFill>
+            <a:ln>
+              <a:solidFill>
+                <a:schemeClr val="bg1"/>
+              </a:solidFill>
+            </a:ln>
+          </p:spPr>
+          <p:style>
+            <a:lnRef idx="2">
+              <a:schemeClr val="accent1">
+                <a:shade val="50000"/>
+              </a:schemeClr>
+            </a:lnRef>
+            <a:fillRef idx="1">
+              <a:schemeClr val="accent1"/>
+            </a:fillRef>
+            <a:effectRef idx="0">
+              <a:schemeClr val="accent1"/>
+            </a:effectRef>
+            <a:fontRef idx="minor">
+              <a:schemeClr val="lt1"/>
+            </a:fontRef>
+          </p:style>
+          <p:txBody>
+            <a:bodyPr rtlCol="0" anchor="ctr"/>
+            <a:lstStyle/>
+            <a:p>
+              <a:pPr algn="ctr"/>
+              <a:endParaRPr lang="en-US"/>
+            </a:p>
+          </p:txBody>
+        </p:sp>
+      </p:grpSp>
+      <p:pic>
+        <p:nvPicPr>
+          <p:cNvPr id="7" name="Picture 2" descr="ASU | Home"/>
+          <p:cNvPicPr>
+            <a:picLocks noChangeAspect="1" noChangeArrowheads="1"/>
+          </p:cNvPicPr>
+          <p:nvPr/>
+        </p:nvPicPr>
+        <p:blipFill>
+          <a:blip r:embed="rId3">
+            <a:extLst>
+              <a:ext uri="{28A0092B-C50C-407E-A947-70E740481C1C}">
+                <a14:useLocalDpi xmlns:a14="http://schemas.microsoft.com/office/drawing/2010/main" val="0"/>
+              </a:ext>
+            </a:extLst>
+          </a:blip>
+          <a:srcRect/>
+          <a:stretch>
+            <a:fillRect/>
+          </a:stretch>
+        </p:blipFill>
         <p:spPr bwMode="auto">
+          <a:xfrm>
+            <a:off x="11083635" y="113794"/>
+            <a:ext cx="989157" cy="989157"/>
+          </a:xfrm>
           <a:prstGeom prst="rect">
             <a:avLst/>
           </a:prstGeom>
@@ -4458,44 +5861,89 @@
             </a:ext>
           </a:extLst>
         </p:spPr>
-        <p:txBody>
-          <a:bodyPr vert="horz" wrap="square" lIns="91440" tIns="45720" rIns="91440" bIns="45720" numCol="1" anchor="t" anchorCtr="0" compatLnSpc="1">
-            <a:prstTxWarp prst="textNoShape">
-              <a:avLst/>
-            </a:prstTxWarp>
-          </a:bodyPr>
-          <a:lstStyle/>
-          <a:p>
-            <a:r>
-              <a:rPr lang="en-US" dirty="0" smtClean="0"/>
-              <a:t>Training for 1000 epochs </a:t>
-            </a:r>
-          </a:p>
-          <a:p>
-            <a:r>
-              <a:rPr lang="en-US" dirty="0" smtClean="0"/>
-              <a:t>With learning rate of 1e^-3</a:t>
-            </a:r>
-          </a:p>
-          <a:p>
-            <a:r>
-              <a:rPr lang="en-US" dirty="0"/>
-              <a:t>Minimum Loss reached: 0.0695</a:t>
-            </a:r>
-          </a:p>
-          <a:p>
-            <a:endParaRPr lang="en-US" dirty="0"/>
-          </a:p>
-        </p:txBody>
-      </p:sp>
+      </p:pic>
+    </p:spTree>
+    <p:extLst>
+      <p:ext uri="{BB962C8B-B14F-4D97-AF65-F5344CB8AC3E}">
+        <p14:creationId xmlns:p14="http://schemas.microsoft.com/office/powerpoint/2010/main" val="607255895"/>
+      </p:ext>
+    </p:extLst>
+  </p:cSld>
+  <p:clrMapOvr>
+    <a:masterClrMapping/>
+  </p:clrMapOvr>
+</p:sld>
+</file>
+
+<file path=ppt/slides/slide8.xml><?xml version="1.0" encoding="utf-8"?>
+<p:sld xmlns:a="http://schemas.openxmlformats.org/drawingml/2006/main" xmlns:r="http://schemas.openxmlformats.org/officeDocument/2006/relationships" xmlns:p="http://schemas.openxmlformats.org/presentationml/2006/main">
+  <p:cSld>
+    <p:spTree>
+      <p:nvGrpSpPr>
+        <p:cNvPr id="1" name=""/>
+        <p:cNvGrpSpPr/>
+        <p:nvPr/>
+      </p:nvGrpSpPr>
+      <p:grpSpPr>
+        <a:xfrm>
+          <a:off x="0" y="0"/>
+          <a:ext cx="0" cy="0"/>
+          <a:chOff x="0" y="0"/>
+          <a:chExt cx="0" cy="0"/>
+        </a:xfrm>
+      </p:grpSpPr>
       <p:pic>
         <p:nvPicPr>
-          <p:cNvPr id="6" name="Picture 5" descr="C:\Users\Mohamed\AppData\Local\Microsoft\Windows\INetCache\Content.MSO\EBDD536C.tmp"/>
-          <p:cNvPicPr/>
+          <p:cNvPr id="6" name="Content Placeholder 5"/>
+          <p:cNvPicPr>
+            <a:picLocks noGrp="1" noChangeAspect="1"/>
+          </p:cNvPicPr>
+          <p:nvPr>
+            <p:ph idx="1"/>
+          </p:nvPr>
+        </p:nvPicPr>
+        <p:blipFill>
+          <a:blip r:embed="rId2">
+            <a:extLst>
+              <a:ext uri="{28A0092B-C50C-407E-A947-70E740481C1C}">
+                <a14:useLocalDpi xmlns:a14="http://schemas.microsoft.com/office/drawing/2010/main" val="0"/>
+              </a:ext>
+            </a:extLst>
+          </a:blip>
+          <a:stretch>
+            <a:fillRect/>
+          </a:stretch>
+        </p:blipFill>
+        <p:spPr bwMode="auto">
+          <a:xfrm>
+            <a:off x="515824" y="434110"/>
+            <a:ext cx="8254715" cy="5801662"/>
+          </a:xfrm>
+          <a:prstGeom prst="rect">
+            <a:avLst/>
+          </a:prstGeom>
+          <a:noFill/>
+          <a:extLst>
+            <a:ext uri="{909E8E84-426E-40DD-AFC4-6F175D3DCCD1}">
+              <a14:hiddenFill xmlns:a14="http://schemas.microsoft.com/office/drawing/2010/main">
+                <a:solidFill>
+                  <a:srgbClr val="FFFFFF"/>
+                </a:solidFill>
+              </a14:hiddenFill>
+            </a:ext>
+          </a:extLst>
+        </p:spPr>
+      </p:pic>
+      <p:pic>
+        <p:nvPicPr>
+          <p:cNvPr id="8" name="Picture 2" descr="ASU | Home"/>
+          <p:cNvPicPr>
+            <a:picLocks noChangeAspect="1" noChangeArrowheads="1"/>
+          </p:cNvPicPr>
           <p:nvPr/>
         </p:nvPicPr>
         <p:blipFill>
-          <a:blip r:embed="rId2">
+          <a:blip r:embed="rId3">
             <a:extLst>
               <a:ext uri="{28A0092B-C50C-407E-A947-70E740481C1C}">
                 <a14:useLocalDpi xmlns:a14="http://schemas.microsoft.com/office/drawing/2010/main" val="0"/>
@@ -4509,16 +5957,82 @@
         </p:blipFill>
         <p:spPr bwMode="auto">
           <a:xfrm>
-            <a:off x="6197600" y="1690687"/>
-            <a:ext cx="5700568" cy="4636221"/>
+            <a:off x="11083635" y="113794"/>
+            <a:ext cx="989157" cy="989157"/>
           </a:xfrm>
           <a:prstGeom prst="rect">
             <a:avLst/>
           </a:prstGeom>
           <a:noFill/>
-          <a:ln>
-            <a:noFill/>
-          </a:ln>
+          <a:extLst>
+            <a:ext uri="{909E8E84-426E-40DD-AFC4-6F175D3DCCD1}">
+              <a14:hiddenFill xmlns:a14="http://schemas.microsoft.com/office/drawing/2010/main">
+                <a:solidFill>
+                  <a:srgbClr val="FFFFFF"/>
+                </a:solidFill>
+              </a14:hiddenFill>
+            </a:ext>
+          </a:extLst>
+        </p:spPr>
+      </p:pic>
+    </p:spTree>
+    <p:extLst>
+      <p:ext uri="{BB962C8B-B14F-4D97-AF65-F5344CB8AC3E}">
+        <p14:creationId xmlns:p14="http://schemas.microsoft.com/office/powerpoint/2010/main" val="4220674347"/>
+      </p:ext>
+    </p:extLst>
+  </p:cSld>
+  <p:clrMapOvr>
+    <a:masterClrMapping/>
+  </p:clrMapOvr>
+</p:sld>
+</file>
+
+<file path=ppt/slides/slide9.xml><?xml version="1.0" encoding="utf-8"?>
+<p:sld xmlns:a="http://schemas.openxmlformats.org/drawingml/2006/main" xmlns:r="http://schemas.openxmlformats.org/officeDocument/2006/relationships" xmlns:p="http://schemas.openxmlformats.org/presentationml/2006/main">
+  <p:cSld>
+    <p:spTree>
+      <p:nvGrpSpPr>
+        <p:cNvPr id="1" name=""/>
+        <p:cNvGrpSpPr/>
+        <p:nvPr/>
+      </p:nvGrpSpPr>
+      <p:grpSpPr>
+        <a:xfrm>
+          <a:off x="0" y="0"/>
+          <a:ext cx="0" cy="0"/>
+          <a:chOff x="0" y="0"/>
+          <a:chExt cx="0" cy="0"/>
+        </a:xfrm>
+      </p:grpSpPr>
+      <p:pic>
+        <p:nvPicPr>
+          <p:cNvPr id="4" name="Picture 3"/>
+          <p:cNvPicPr>
+            <a:picLocks noChangeAspect="1"/>
+          </p:cNvPicPr>
+          <p:nvPr/>
+        </p:nvPicPr>
+        <p:blipFill>
+          <a:blip r:embed="rId2">
+            <a:extLst>
+              <a:ext uri="{28A0092B-C50C-407E-A947-70E740481C1C}">
+                <a14:useLocalDpi xmlns:a14="http://schemas.microsoft.com/office/drawing/2010/main" val="0"/>
+              </a:ext>
+            </a:extLst>
+          </a:blip>
+          <a:stretch>
+            <a:fillRect/>
+          </a:stretch>
+        </p:blipFill>
+        <p:spPr>
+          <a:xfrm>
+            <a:off x="526473" y="371386"/>
+            <a:ext cx="8746835" cy="6280859"/>
+          </a:xfrm>
+          <a:prstGeom prst="rect">
+            <a:avLst/>
+          </a:prstGeom>
         </p:spPr>
       </p:pic>
       <p:pic>
@@ -4565,7 +6079,7 @@
     </p:spTree>
     <p:extLst>
       <p:ext uri="{BB962C8B-B14F-4D97-AF65-F5344CB8AC3E}">
-        <p14:creationId xmlns:p14="http://schemas.microsoft.com/office/powerpoint/2010/main" val="3304466220"/>
+        <p14:creationId xmlns:p14="http://schemas.microsoft.com/office/powerpoint/2010/main" val="1454991074"/>
       </p:ext>
     </p:extLst>
   </p:cSld>
